--- a/Courses/Software-Sciences/Module-2-DS-and-Algo-New/01-Arrays/01-Arrays.pptx
+++ b/Courses/Software-Sciences/Module-2-DS-and-Algo-New/01-Arrays/01-Arrays.pptx
@@ -139,13 +139,13 @@
   <p:extLst>
     <p:ext uri="{521415D9-36F7-43E2-AB2F-B90AF26B5E84}">
       <p14:sectionLst xmlns:p14="http://schemas.microsoft.com/office/powerpoint/2010/main">
-        <p14:section name="Intro" id="{767C3DC0-FBA3-4E76-A4FF-3E4F3A02CF10}">
+        <p14:section name="Въведение" id="{767C3DC0-FBA3-4E76-A4FF-3E4F3A02CF10}">
           <p14:sldIdLst>
             <p14:sldId id="402"/>
             <p14:sldId id="493"/>
           </p14:sldIdLst>
         </p14:section>
-        <p14:section name="Arrays" id="{54F981AB-CEC0-48A2-A249-7775A9BCB625}">
+        <p14:section name="Масиви" id="{54F981AB-CEC0-48A2-A249-7775A9BCB625}">
           <p14:sldIdLst>
             <p14:sldId id="467"/>
             <p14:sldId id="468"/>
@@ -156,7 +156,7 @@
             <p14:sldId id="472"/>
           </p14:sldIdLst>
         </p14:section>
-        <p14:section name="Reading Arrays from the Console" id="{6C937A98-260C-4C25-9B7A-68DBE7F65D6A}">
+        <p14:section name="Четене на масиви от конзолата" id="{6C937A98-260C-4C25-9B7A-68DBE7F65D6A}">
           <p14:sldIdLst>
             <p14:sldId id="480"/>
             <p14:sldId id="481"/>
@@ -172,7 +172,7 @@
             <p14:sldId id="491"/>
           </p14:sldIdLst>
         </p14:section>
-        <p14:section name="Foreach Loop" id="{4CAC1631-6319-4511-8CB8-1B24C07CF450}">
+        <p14:section name="Foreach-цикъл" id="{4CAC1631-6319-4511-8CB8-1B24C07CF450}">
           <p14:sldIdLst>
             <p14:sldId id="539"/>
             <p14:sldId id="540"/>
@@ -313,7 +313,7 @@
           <a:p>
             <a:fld id="{4E087215-0C8F-4762-A664-737A353EC9A4}" type="datetimeFigureOut">
               <a:rPr lang="bg-BG" smtClean="0"/>
-              <a:t>11.1.2023 г.</a:t>
+              <a:t>13.01.23 г.</a:t>
             </a:fld>
             <a:endParaRPr lang="bg-BG"/>
           </a:p>
@@ -353,17 +353,17 @@
           </a:lstStyle>
           <a:p>
             <a:r>
-              <a:rPr lang="en-US" sz="1100"/>
+              <a:rPr lang="en-US" sz="1100" dirty="0"/>
               <a:t>© SoftUni – </a:t>
             </a:r>
             <a:r>
-              <a:rPr lang="en-US" sz="1100" u="sng">
+              <a:rPr lang="en-US" sz="1100" u="sng" dirty="0">
                 <a:hlinkClick r:id="rId2"/>
               </a:rPr>
               <a:t>https://softuni.org</a:t>
             </a:r>
             <a:r>
-              <a:rPr lang="en-US" sz="1100"/>
+              <a:rPr lang="en-US" sz="1100" dirty="0"/>
               <a:t>. Copyrighted document. Unauthorized copy or reproduction is not permitted.</a:t>
             </a:r>
           </a:p>
@@ -504,7 +504,7 @@
           <a:p>
             <a:fld id="{72D84649-876A-46C9-8472-14CB09C070D8}" type="datetimeFigureOut">
               <a:rPr lang="en-US" smtClean="0"/>
-              <a:t>1/11/2023</a:t>
+              <a:t>1/13/23</a:t>
             </a:fld>
             <a:endParaRPr lang="en-US"/>
           </a:p>
@@ -671,17 +671,17 @@
           </a:lstStyle>
           <a:p>
             <a:r>
-              <a:rPr lang="en-US"/>
+              <a:rPr lang="en-US" dirty="0"/>
               <a:t>© SoftUni – </a:t>
             </a:r>
             <a:r>
-              <a:rPr lang="en-US" u="sng">
+              <a:rPr lang="en-US" u="sng" dirty="0">
                 <a:hlinkClick r:id="rId2"/>
               </a:rPr>
               <a:t>https://softuni.org</a:t>
             </a:r>
             <a:r>
-              <a:rPr lang="en-US"/>
+              <a:rPr lang="en-US" dirty="0"/>
               <a:t>. Copyrighted document. Unauthorized copy or reproduction is not permitted.</a:t>
             </a:r>
           </a:p>
@@ -835,7 +835,7 @@
           <a:bodyPr/>
           <a:lstStyle/>
           <a:p>
-            <a:endParaRPr lang="en-US"/>
+            <a:endParaRPr lang="en-US" dirty="0"/>
           </a:p>
         </p:txBody>
       </p:sp>
@@ -859,7 +859,7 @@
               <a:pPr/>
               <a:t>1</a:t>
             </a:fld>
-            <a:endParaRPr lang="en-US"/>
+            <a:endParaRPr lang="en-US" dirty="0"/>
           </a:p>
         </p:txBody>
       </p:sp>
@@ -897,17 +897,17 @@
           </a:lstStyle>
           <a:p>
             <a:r>
-              <a:rPr lang="en-US"/>
+              <a:rPr lang="en-US" dirty="0"/>
               <a:t>© SoftUni – </a:t>
             </a:r>
             <a:r>
-              <a:rPr lang="en-US" u="sng">
+              <a:rPr lang="en-US" u="sng" dirty="0">
                 <a:hlinkClick r:id="rId3"/>
               </a:rPr>
               <a:t>https://softuni.org</a:t>
             </a:r>
             <a:r>
-              <a:rPr lang="en-US"/>
+              <a:rPr lang="en-US" dirty="0"/>
               <a:t>. Copyrighted document. Unauthorized copy or reproduction is not permitted.</a:t>
             </a:r>
           </a:p>
@@ -1032,17 +1032,17 @@
           </a:lstStyle>
           <a:p>
             <a:r>
-              <a:rPr lang="en-US"/>
+              <a:rPr lang="en-US" dirty="0"/>
               <a:t>© SoftUni – </a:t>
             </a:r>
             <a:r>
-              <a:rPr lang="en-US" u="sng">
+              <a:rPr lang="en-US" u="sng" dirty="0">
                 <a:hlinkClick r:id="rId3"/>
               </a:rPr>
               <a:t>https://softuni.org</a:t>
             </a:r>
             <a:r>
-              <a:rPr lang="en-US"/>
+              <a:rPr lang="en-US" dirty="0"/>
               <a:t>. Copyrighted document. Unauthorized copy or reproduction is not permitted.</a:t>
             </a:r>
           </a:p>
@@ -1167,17 +1167,17 @@
           </a:lstStyle>
           <a:p>
             <a:r>
-              <a:rPr lang="en-US"/>
+              <a:rPr lang="en-US" dirty="0"/>
               <a:t>© SoftUni – </a:t>
             </a:r>
             <a:r>
-              <a:rPr lang="en-US" u="sng">
+              <a:rPr lang="en-US" u="sng" dirty="0">
                 <a:hlinkClick r:id="rId3"/>
               </a:rPr>
               <a:t>https://softuni.org</a:t>
             </a:r>
             <a:r>
-              <a:rPr lang="en-US"/>
+              <a:rPr lang="en-US" dirty="0"/>
               <a:t>. Copyrighted document. Unauthorized copy or reproduction is not permitted.</a:t>
             </a:r>
           </a:p>
@@ -1302,17 +1302,17 @@
           </a:lstStyle>
           <a:p>
             <a:r>
-              <a:rPr lang="en-US"/>
+              <a:rPr lang="en-US" dirty="0"/>
               <a:t>© SoftUni – </a:t>
             </a:r>
             <a:r>
-              <a:rPr lang="en-US" u="sng">
+              <a:rPr lang="en-US" u="sng" dirty="0">
                 <a:hlinkClick r:id="rId3"/>
               </a:rPr>
               <a:t>https://softuni.org</a:t>
             </a:r>
             <a:r>
-              <a:rPr lang="en-US"/>
+              <a:rPr lang="en-US" dirty="0"/>
               <a:t>. Copyrighted document. Unauthorized copy or reproduction is not permitted.</a:t>
             </a:r>
           </a:p>
@@ -1543,17 +1543,17 @@
           </a:lstStyle>
           <a:p>
             <a:r>
-              <a:rPr lang="en-US"/>
+              <a:rPr lang="en-US" dirty="0"/>
               <a:t>© SoftUni – </a:t>
             </a:r>
             <a:r>
-              <a:rPr lang="en-US" u="sng">
+              <a:rPr lang="en-US" u="sng" dirty="0">
                 <a:hlinkClick r:id="rId3"/>
               </a:rPr>
               <a:t>https://softuni.org</a:t>
             </a:r>
             <a:r>
-              <a:rPr lang="en-US"/>
+              <a:rPr lang="en-US" dirty="0"/>
               <a:t>. Copyrighted document. Unauthorized copy or reproduction is not permitted.</a:t>
             </a:r>
           </a:p>
@@ -1784,17 +1784,17 @@
           </a:lstStyle>
           <a:p>
             <a:r>
-              <a:rPr lang="en-US"/>
+              <a:rPr lang="en-US" dirty="0"/>
               <a:t>© SoftUni – </a:t>
             </a:r>
             <a:r>
-              <a:rPr lang="en-US" u="sng">
+              <a:rPr lang="en-US" u="sng" dirty="0">
                 <a:hlinkClick r:id="rId3"/>
               </a:rPr>
               <a:t>https://softuni.org</a:t>
             </a:r>
             <a:r>
-              <a:rPr lang="en-US"/>
+              <a:rPr lang="en-US" dirty="0"/>
               <a:t>. Copyrighted document. Unauthorized copy or reproduction is not permitted.</a:t>
             </a:r>
           </a:p>
@@ -3820,7 +3820,7 @@
               </a:spcAft>
             </a:pPr>
             <a:r>
-              <a:rPr lang="en-US" sz="1600" noProof="0">
+              <a:rPr lang="en-US" sz="1600" noProof="0" dirty="0">
                 <a:solidFill>
                   <a:schemeClr val="bg2"/>
                 </a:solidFill>
@@ -3832,7 +3832,7 @@
               <a:t>© SoftUni – </a:t>
             </a:r>
             <a:r>
-              <a:rPr lang="en-US" sz="1600" u="sng" noProof="0">
+              <a:rPr lang="en-US" sz="1600" u="sng" noProof="0" dirty="0">
                 <a:solidFill>
                   <a:schemeClr val="bg2"/>
                 </a:solidFill>
@@ -3851,7 +3851,7 @@
               <a:t>https://softuni.org</a:t>
             </a:r>
             <a:r>
-              <a:rPr lang="en-US" sz="1600" noProof="0">
+              <a:rPr lang="en-US" sz="1600" noProof="0" dirty="0">
                 <a:solidFill>
                   <a:schemeClr val="bg2"/>
                 </a:solidFill>
@@ -3862,7 +3862,7 @@
               </a:rPr>
               <a:t>. Copyrighted document. Unauthorized copy, reproduction or use is not permitted.</a:t>
             </a:r>
-            <a:endParaRPr lang="en-US" sz="2400" noProof="0">
+            <a:endParaRPr lang="en-US" sz="2400" noProof="0" dirty="0">
               <a:solidFill>
                 <a:schemeClr val="bg2"/>
               </a:solidFill>
@@ -8314,72 +8314,16 @@
           <a:lstStyle/>
           <a:p>
             <a:r>
-              <a:rPr lang="en-US" sz="3550" err="1">
+              <a:rPr lang="bg-BG" sz="3550" dirty="0">
                 <a:ea typeface="+mn-lt"/>
                 <a:cs typeface="+mn-lt"/>
               </a:rPr>
-              <a:t>Съвкубност</a:t>
-            </a:r>
-            <a:r>
-              <a:rPr lang="en-US" sz="3550">
-                <a:ea typeface="+mn-lt"/>
-                <a:cs typeface="+mn-lt"/>
-              </a:rPr>
-              <a:t> </a:t>
-            </a:r>
-            <a:r>
-              <a:rPr lang="en-US" sz="3550" err="1">
-                <a:ea typeface="+mn-lt"/>
-                <a:cs typeface="+mn-lt"/>
-              </a:rPr>
-              <a:t>от</a:t>
-            </a:r>
-            <a:r>
-              <a:rPr lang="en-US" sz="3550">
-                <a:ea typeface="+mn-lt"/>
-                <a:cs typeface="+mn-lt"/>
-              </a:rPr>
-              <a:t> </a:t>
-            </a:r>
-            <a:r>
-              <a:rPr lang="en-US" sz="3550" err="1">
-                <a:ea typeface="+mn-lt"/>
-                <a:cs typeface="+mn-lt"/>
-              </a:rPr>
-              <a:t>елементи</a:t>
-            </a:r>
-            <a:r>
-              <a:rPr lang="en-US" sz="3550">
-                <a:ea typeface="+mn-lt"/>
-                <a:cs typeface="+mn-lt"/>
-              </a:rPr>
-              <a:t> с </a:t>
-            </a:r>
-            <a:r>
-              <a:rPr lang="en-US" sz="3550" err="1">
-                <a:ea typeface="+mn-lt"/>
-                <a:cs typeface="+mn-lt"/>
-              </a:rPr>
-              <a:t>определена</a:t>
-            </a:r>
-            <a:r>
-              <a:rPr lang="en-US" sz="3550">
-                <a:ea typeface="+mn-lt"/>
-                <a:cs typeface="+mn-lt"/>
-              </a:rPr>
-              <a:t> </a:t>
-            </a:r>
-            <a:r>
-              <a:rPr lang="en-US" sz="3550" err="1">
-                <a:ea typeface="+mn-lt"/>
-                <a:cs typeface="+mn-lt"/>
-              </a:rPr>
-              <a:t>дължина</a:t>
-            </a:r>
-            <a:endParaRPr lang="bg-BG" err="1"/>
-          </a:p>
-          <a:p>
-            <a:endParaRPr lang="en-US" sz="3550">
+              <a:t>Съвкупност от елементи с определена дължина</a:t>
+            </a:r>
+            <a:endParaRPr lang="bg-BG" dirty="0"/>
+          </a:p>
+          <a:p>
+            <a:endParaRPr lang="bg-BG" sz="3550" dirty="0">
               <a:ea typeface="Calibri"/>
               <a:cs typeface="Calibri"/>
             </a:endParaRPr>
@@ -8404,10 +8348,10 @@
           <a:lstStyle/>
           <a:p>
             <a:r>
-              <a:rPr lang="en-US" sz="4750" err="1"/>
+              <a:rPr lang="bg-BG" sz="4750" dirty="0"/>
               <a:t>Масиви</a:t>
             </a:r>
-            <a:endParaRPr lang="bg-BG" err="1"/>
+            <a:endParaRPr lang="bg-BG" dirty="0"/>
           </a:p>
         </p:txBody>
       </p:sp>
@@ -8427,18 +8371,10 @@
           <a:lstStyle/>
           <a:p>
             <a:r>
-              <a:rPr lang="en-US" sz="1950" err="1"/>
-              <a:t>Софтуерен</a:t>
-            </a:r>
-            <a:r>
-              <a:rPr lang="en-US" sz="1950"/>
-              <a:t> </a:t>
-            </a:r>
-            <a:r>
-              <a:rPr lang="en-US" sz="1950" err="1"/>
-              <a:t>университет</a:t>
-            </a:r>
-            <a:endParaRPr lang="bg-BG" err="1"/>
+              <a:rPr lang="bg-BG" sz="1950" dirty="0"/>
+              <a:t>Софтуерен университет</a:t>
+            </a:r>
+            <a:endParaRPr lang="bg-BG" dirty="0"/>
           </a:p>
         </p:txBody>
       </p:sp>
@@ -8458,12 +8394,12 @@
           <a:lstStyle/>
           <a:p>
             <a:r>
-              <a:rPr lang="en-US">
+              <a:rPr lang="bg-BG" dirty="0">
                 <a:hlinkClick r:id="rId3"/>
               </a:rPr>
               <a:t>https://softuni.bg</a:t>
             </a:r>
-            <a:endParaRPr lang="en-US"/>
+            <a:endParaRPr lang="bg-BG" dirty="0"/>
           </a:p>
         </p:txBody>
       </p:sp>
@@ -8483,10 +8419,10 @@
           <a:lstStyle/>
           <a:p>
             <a:r>
-              <a:rPr lang="en-US" sz="2750"/>
+              <a:rPr lang="bg-BG" sz="2750" dirty="0"/>
               <a:t>СофтУни</a:t>
             </a:r>
-            <a:endParaRPr lang="bg-BG"/>
+            <a:endParaRPr lang="bg-BG" dirty="0"/>
           </a:p>
         </p:txBody>
       </p:sp>
@@ -8502,8 +8438,8 @@
         </p:nvSpPr>
         <p:spPr>
           <a:xfrm>
-            <a:off x="553082" y="5158168"/>
-            <a:ext cx="3311375" cy="788064"/>
+            <a:off x="553082" y="5333651"/>
+            <a:ext cx="3311375" cy="437098"/>
           </a:xfrm>
         </p:spPr>
         <p:txBody>
@@ -8511,10 +8447,10 @@
           <a:lstStyle/>
           <a:p>
             <a:r>
-              <a:rPr lang="en-US" sz="2350"/>
+              <a:rPr lang="bg-BG" sz="2350" dirty="0"/>
               <a:t>Преподавателски екип</a:t>
             </a:r>
-            <a:endParaRPr lang="bg-BG"/>
+            <a:endParaRPr lang="bg-BG" dirty="0"/>
           </a:p>
         </p:txBody>
       </p:sp>
@@ -8604,7 +8540,7 @@
             <a:p>
               <a:pPr algn="ctr"/>
               <a:r>
-                <a:rPr lang="en-GB" sz="2800" b="1">
+                <a:rPr lang="bg-BG" sz="2800" b="1" dirty="0">
                   <a:solidFill>
                     <a:srgbClr val="FFFFFF"/>
                   </a:solidFill>
@@ -8618,18 +8554,6 @@
                 </a:rPr>
                 <a:t>…</a:t>
               </a:r>
-              <a:endParaRPr lang="en-US" sz="2800" b="1">
-                <a:solidFill>
-                  <a:srgbClr val="FFFFFF"/>
-                </a:solidFill>
-                <a:effectLst>
-                  <a:outerShdw blurRad="38100" dist="38100" dir="2700000" algn="tl">
-                    <a:srgbClr val="000000">
-                      <a:alpha val="43137"/>
-                    </a:srgbClr>
-                  </a:outerShdw>
-                </a:effectLst>
-              </a:endParaRPr>
             </a:p>
           </p:txBody>
         </p:sp>
@@ -8695,7 +8619,7 @@
             <a:p>
               <a:pPr algn="ctr"/>
               <a:r>
-                <a:rPr lang="en-GB" sz="2800" b="1">
+                <a:rPr lang="bg-BG" sz="2800" b="1" dirty="0">
                   <a:solidFill>
                     <a:srgbClr val="FFFFFF"/>
                   </a:solidFill>
@@ -8709,18 +8633,6 @@
                 </a:rPr>
                 <a:t>…</a:t>
               </a:r>
-              <a:endParaRPr lang="en-US" sz="2800" b="1">
-                <a:solidFill>
-                  <a:srgbClr val="FFFFFF"/>
-                </a:solidFill>
-                <a:effectLst>
-                  <a:outerShdw blurRad="38100" dist="38100" dir="2700000" algn="tl">
-                    <a:srgbClr val="000000">
-                      <a:alpha val="43137"/>
-                    </a:srgbClr>
-                  </a:outerShdw>
-                </a:effectLst>
-              </a:endParaRPr>
             </a:p>
           </p:txBody>
         </p:sp>
@@ -8786,7 +8698,7 @@
             <a:p>
               <a:pPr algn="ctr"/>
               <a:r>
-                <a:rPr lang="en-GB" sz="2800" b="1">
+                <a:rPr lang="bg-BG" sz="2800" b="1" dirty="0">
                   <a:solidFill>
                     <a:srgbClr val="FFFFFF"/>
                   </a:solidFill>
@@ -8800,18 +8712,6 @@
                 </a:rPr>
                 <a:t>…</a:t>
               </a:r>
-              <a:endParaRPr lang="en-US" sz="2800" b="1">
-                <a:solidFill>
-                  <a:srgbClr val="FFFFFF"/>
-                </a:solidFill>
-                <a:effectLst>
-                  <a:outerShdw blurRad="38100" dist="38100" dir="2700000" algn="tl">
-                    <a:srgbClr val="000000">
-                      <a:alpha val="43137"/>
-                    </a:srgbClr>
-                  </a:outerShdw>
-                </a:effectLst>
-              </a:endParaRPr>
             </a:p>
           </p:txBody>
         </p:sp>
@@ -8877,7 +8777,7 @@
             <a:p>
               <a:pPr algn="ctr"/>
               <a:r>
-                <a:rPr lang="en-GB" sz="2800" b="1">
+                <a:rPr lang="bg-BG" sz="2800" b="1" dirty="0">
                   <a:solidFill>
                     <a:srgbClr val="FFFFFF"/>
                   </a:solidFill>
@@ -8891,18 +8791,6 @@
                 </a:rPr>
                 <a:t>…</a:t>
               </a:r>
-              <a:endParaRPr lang="en-US" sz="2800" b="1">
-                <a:solidFill>
-                  <a:srgbClr val="FFFFFF"/>
-                </a:solidFill>
-                <a:effectLst>
-                  <a:outerShdw blurRad="38100" dist="38100" dir="2700000" algn="tl">
-                    <a:srgbClr val="000000">
-                      <a:alpha val="43137"/>
-                    </a:srgbClr>
-                  </a:outerShdw>
-                </a:effectLst>
-              </a:endParaRPr>
             </a:p>
           </p:txBody>
         </p:sp>
@@ -8968,7 +8856,7 @@
             <a:p>
               <a:pPr algn="ctr"/>
               <a:r>
-                <a:rPr lang="en-GB" sz="2800" b="1">
+                <a:rPr lang="bg-BG" sz="2800" b="1" dirty="0">
                   <a:solidFill>
                     <a:srgbClr val="FFFFFF"/>
                   </a:solidFill>
@@ -8982,18 +8870,6 @@
                 </a:rPr>
                 <a:t>…</a:t>
               </a:r>
-              <a:endParaRPr lang="en-US" sz="2800" b="1">
-                <a:solidFill>
-                  <a:srgbClr val="FFFFFF"/>
-                </a:solidFill>
-                <a:effectLst>
-                  <a:outerShdw blurRad="38100" dist="38100" dir="2700000" algn="tl">
-                    <a:srgbClr val="000000">
-                      <a:alpha val="43137"/>
-                    </a:srgbClr>
-                  </a:outerShdw>
-                </a:effectLst>
-              </a:endParaRPr>
             </a:p>
           </p:txBody>
         </p:sp>
@@ -9041,10 +8917,9 @@
                 <a:buSzPct val="70000"/>
               </a:pPr>
               <a:r>
-                <a:rPr lang="en-GB" sz="4000"/>
+                <a:rPr lang="bg-BG" sz="4000" dirty="0"/>
                 <a:t>0</a:t>
               </a:r>
-              <a:endParaRPr lang="en-US" sz="4000"/>
             </a:p>
           </p:txBody>
         </p:sp>
@@ -9092,10 +8967,9 @@
                 <a:buSzPct val="70000"/>
               </a:pPr>
               <a:r>
-                <a:rPr lang="en-GB" sz="4000"/>
+                <a:rPr lang="bg-BG" sz="4000" dirty="0"/>
                 <a:t>1</a:t>
               </a:r>
-              <a:endParaRPr lang="en-US" sz="4000"/>
             </a:p>
           </p:txBody>
         </p:sp>
@@ -9143,10 +9017,9 @@
                 <a:buSzPct val="70000"/>
               </a:pPr>
               <a:r>
-                <a:rPr lang="en-GB" sz="4000"/>
+                <a:rPr lang="bg-BG" sz="4000" dirty="0"/>
                 <a:t>2</a:t>
               </a:r>
-              <a:endParaRPr lang="en-US" sz="4000"/>
             </a:p>
           </p:txBody>
         </p:sp>
@@ -9194,10 +9067,9 @@
                 <a:buSzPct val="70000"/>
               </a:pPr>
               <a:r>
-                <a:rPr lang="en-GB" sz="4000"/>
+                <a:rPr lang="bg-BG" sz="4000" dirty="0"/>
                 <a:t>3</a:t>
               </a:r>
-              <a:endParaRPr lang="en-US" sz="4000"/>
             </a:p>
           </p:txBody>
         </p:sp>
@@ -9245,10 +9117,9 @@
                 <a:buSzPct val="70000"/>
               </a:pPr>
               <a:r>
-                <a:rPr lang="en-GB" sz="4000"/>
+                <a:rPr lang="bg-BG" sz="4000" dirty="0"/>
                 <a:t>4</a:t>
               </a:r>
-              <a:endParaRPr lang="en-US" sz="4000"/>
             </a:p>
           </p:txBody>
         </p:sp>
@@ -9652,15 +9523,7 @@
             </a:r>
             <a:r>
               <a:rPr lang="en-US" sz="3600" dirty="0"/>
-              <a:t> </a:t>
-            </a:r>
-            <a:r>
-              <a:rPr lang="en-US" sz="3600" dirty="0" err="1"/>
-              <a:t>на</a:t>
-            </a:r>
-            <a:r>
-              <a:rPr lang="en-US" sz="3600" dirty="0"/>
-              <a:t> </a:t>
+              <a:t> на </a:t>
             </a:r>
             <a:r>
               <a:rPr lang="en-US" sz="3600" dirty="0" err="1"/>
@@ -9668,23 +9531,7 @@
             </a:r>
             <a:r>
               <a:rPr lang="en-US" sz="3600" dirty="0"/>
-              <a:t> </a:t>
-            </a:r>
-            <a:r>
-              <a:rPr lang="en-US" sz="3600" dirty="0" err="1"/>
-              <a:t>от</a:t>
-            </a:r>
-            <a:r>
-              <a:rPr lang="en-US" sz="3600" dirty="0"/>
-              <a:t> </a:t>
-            </a:r>
-            <a:r>
-              <a:rPr lang="en-US" sz="3600" dirty="0" err="1"/>
-              <a:t>конзолата</a:t>
-            </a:r>
-            <a:r>
-              <a:rPr lang="en-US" sz="3600" dirty="0"/>
-              <a:t>:</a:t>
+              <a:t> от конзолата:</a:t>
             </a:r>
           </a:p>
           <a:p>
@@ -9696,7 +9543,7 @@
                 <a:spcPct val="0"/>
               </a:spcBef>
             </a:pPr>
-            <a:endParaRPr lang="en-US" sz="3600">
+            <a:endParaRPr lang="en-US" sz="3600" dirty="0">
               <a:ea typeface="Calibri"/>
               <a:cs typeface="Calibri"/>
             </a:endParaRPr>
@@ -9740,7 +9587,15 @@
             </a:r>
             <a:r>
               <a:rPr lang="en-US" sz="3600" dirty="0"/>
-              <a:t> с </a:t>
+              <a:t> </a:t>
+            </a:r>
+            <a:r>
+              <a:rPr lang="en-US" sz="3600" dirty="0" err="1"/>
+              <a:t>с</a:t>
+            </a:r>
+            <a:r>
+              <a:rPr lang="en-US" sz="3600" dirty="0"/>
+              <a:t> </a:t>
             </a:r>
             <a:r>
               <a:rPr lang="en-US" sz="3600" dirty="0" err="1"/>
@@ -9769,7 +9624,11 @@
             </a:r>
             <a:r>
               <a:rPr lang="en-US" sz="3600" dirty="0"/>
-              <a:t> и</a:t>
+              <a:t> </a:t>
+            </a:r>
+            <a:r>
+              <a:rPr lang="en-US" sz="3600" dirty="0" err="1"/>
+              <a:t>и</a:t>
             </a:r>
             <a:r>
               <a:rPr lang="en-US" sz="3600" dirty="0">
@@ -9803,6 +9662,34 @@
                 <a:latin typeface="Consolas"/>
               </a:rPr>
               <a:t>елементи</a:t>
+            </a:r>
+            <a:r>
+              <a:rPr lang="en-US" sz="3600" dirty="0"/>
+              <a:t> </a:t>
+            </a:r>
+            <a:r>
+              <a:rPr lang="bg-BG" sz="3600" dirty="0"/>
+              <a:t>с помощта на </a:t>
+            </a:r>
+            <a:r>
+              <a:rPr lang="en-US" sz="3600" b="1" dirty="0">
+                <a:solidFill>
+                  <a:schemeClr val="bg1"/>
+                </a:solidFill>
+                <a:latin typeface="Consolas" panose="020B0609020204030204" pitchFamily="49" charset="0"/>
+                <a:cs typeface="Consolas" panose="020B0609020204030204" pitchFamily="49" charset="0"/>
+              </a:rPr>
+              <a:t>for</a:t>
+            </a:r>
+            <a:r>
+              <a:rPr lang="bg-BG" sz="3600" b="1" dirty="0">
+                <a:solidFill>
+                  <a:schemeClr val="bg1"/>
+                </a:solidFill>
+                <a:latin typeface="Consolas" panose="020B0609020204030204" pitchFamily="49" charset="0"/>
+                <a:cs typeface="Consolas" panose="020B0609020204030204" pitchFamily="49" charset="0"/>
+              </a:rPr>
+              <a:t>-цикъл</a:t>
             </a:r>
             <a:r>
               <a:rPr lang="en-US" sz="3600" dirty="0"/>
@@ -9844,69 +9731,27 @@
           <a:lstStyle/>
           <a:p>
             <a:r>
-              <a:rPr lang="en-US" sz="3950" err="1">
+              <a:rPr lang="en-US" sz="3950" dirty="0">
                 <a:ea typeface="+mj-lt"/>
                 <a:cs typeface="+mj-lt"/>
               </a:rPr>
-              <a:t>Четене</a:t>
-            </a:r>
-            <a:r>
-              <a:rPr lang="en-US" sz="3950">
+              <a:t>Четене на </a:t>
+            </a:r>
+            <a:r>
+              <a:rPr lang="en-US" sz="3950" dirty="0" err="1">
                 <a:ea typeface="+mj-lt"/>
                 <a:cs typeface="+mj-lt"/>
               </a:rPr>
-              <a:t> </a:t>
-            </a:r>
-            <a:r>
-              <a:rPr lang="en-US" sz="3950" err="1">
+              <a:t>масив</a:t>
+            </a:r>
+            <a:r>
+              <a:rPr lang="en-US" sz="3950" dirty="0">
                 <a:ea typeface="+mj-lt"/>
                 <a:cs typeface="+mj-lt"/>
               </a:rPr>
-              <a:t>на</a:t>
-            </a:r>
-            <a:r>
-              <a:rPr lang="en-US" sz="3950">
-                <a:ea typeface="+mj-lt"/>
-                <a:cs typeface="+mj-lt"/>
-              </a:rPr>
-              <a:t> </a:t>
-            </a:r>
-            <a:r>
-              <a:rPr lang="en-US" sz="3950" err="1">
-                <a:ea typeface="+mj-lt"/>
-                <a:cs typeface="+mj-lt"/>
-              </a:rPr>
-              <a:t>масив</a:t>
-            </a:r>
-            <a:r>
-              <a:rPr lang="en-US" sz="3950">
-                <a:ea typeface="+mj-lt"/>
-                <a:cs typeface="+mj-lt"/>
-              </a:rPr>
-              <a:t> </a:t>
-            </a:r>
-            <a:r>
-              <a:rPr lang="en-US" sz="3950" err="1">
-                <a:ea typeface="+mj-lt"/>
-                <a:cs typeface="+mj-lt"/>
-              </a:rPr>
-              <a:t>от</a:t>
-            </a:r>
-            <a:r>
-              <a:rPr lang="en-US" sz="3950">
-                <a:ea typeface="+mj-lt"/>
-                <a:cs typeface="+mj-lt"/>
-              </a:rPr>
-              <a:t> </a:t>
-            </a:r>
-            <a:r>
-              <a:rPr lang="en-US" sz="3950" err="1">
-                <a:ea typeface="+mj-lt"/>
-                <a:cs typeface="+mj-lt"/>
-              </a:rPr>
-              <a:t>конзолата</a:t>
-            </a:r>
-            <a:endParaRPr lang="bg-BG" err="1"/>
+              <a:t> от конзолата</a:t>
+            </a:r>
+            <a:endParaRPr lang="bg-BG" dirty="0"/>
           </a:p>
         </p:txBody>
       </p:sp>
@@ -10875,27 +10720,27 @@
               </a:lnSpc>
             </a:pPr>
             <a:r>
-              <a:rPr lang="en-US" sz="3600" err="1"/>
+              <a:rPr lang="en-US" sz="3600" dirty="0" err="1"/>
               <a:t>Масивите</a:t>
             </a:r>
             <a:r>
-              <a:rPr lang="en-US" sz="3600"/>
+              <a:rPr lang="en-US" sz="3600" dirty="0"/>
               <a:t> </a:t>
             </a:r>
             <a:r>
-              <a:rPr lang="en-US" sz="3600" err="1"/>
+              <a:rPr lang="en-US" sz="3600" dirty="0" err="1"/>
               <a:t>могат</a:t>
             </a:r>
             <a:r>
-              <a:rPr lang="en-US" sz="3600"/>
+              <a:rPr lang="en-US" sz="3600" dirty="0"/>
               <a:t> </a:t>
             </a:r>
             <a:r>
-              <a:rPr lang="en-US" sz="3600" err="1"/>
+              <a:rPr lang="en-US" sz="3600" dirty="0" err="1"/>
               <a:t>да</a:t>
             </a:r>
             <a:r>
-              <a:rPr lang="en-US" sz="3600">
+              <a:rPr lang="en-US" sz="3600" dirty="0">
                 <a:solidFill>
                   <a:srgbClr val="234465"/>
                 </a:solidFill>
@@ -10903,7 +10748,7 @@
               <a:t> </a:t>
             </a:r>
             <a:r>
-              <a:rPr lang="en-US" sz="3600" err="1">
+              <a:rPr lang="en-US" sz="3600" dirty="0" err="1">
                 <a:solidFill>
                   <a:srgbClr val="234465"/>
                 </a:solidFill>
@@ -10911,7 +10756,7 @@
               <a:t>бъдат</a:t>
             </a:r>
             <a:r>
-              <a:rPr lang="en-US" sz="3600">
+              <a:rPr lang="en-US" sz="3600" dirty="0">
                 <a:solidFill>
                   <a:srgbClr val="234465"/>
                 </a:solidFill>
@@ -10919,7 +10764,7 @@
               <a:t> </a:t>
             </a:r>
             <a:r>
-              <a:rPr lang="en-US" sz="3600" b="1" err="1">
+              <a:rPr lang="en-US" sz="3600" b="1" dirty="0" err="1">
                 <a:solidFill>
                   <a:schemeClr val="bg1"/>
                 </a:solidFill>
@@ -10927,97 +10772,42 @@
               <a:t>четени</a:t>
             </a:r>
             <a:r>
-              <a:rPr lang="en-US" sz="3600"/>
+              <a:rPr lang="en-US" sz="3600" dirty="0"/>
+              <a:t> от </a:t>
+            </a:r>
+            <a:r>
+              <a:rPr lang="en-US" sz="3600" b="1" dirty="0" err="1">
+                <a:solidFill>
+                  <a:schemeClr val="bg1"/>
+                </a:solidFill>
+              </a:rPr>
+              <a:t>един</a:t>
+            </a:r>
+            <a:r>
+              <a:rPr lang="en-US" sz="3600" b="1" dirty="0">
+                <a:solidFill>
+                  <a:schemeClr val="bg1"/>
+                </a:solidFill>
+              </a:rPr>
               <a:t> </a:t>
             </a:r>
             <a:r>
-              <a:rPr lang="en-US" sz="3600" err="1"/>
-              <a:t>от</a:t>
-            </a:r>
-            <a:r>
-              <a:rPr lang="en-US" sz="3600"/>
-              <a:t> </a:t>
-            </a:r>
-            <a:r>
-              <a:rPr lang="en-US" sz="3600" b="1" err="1">
+              <a:rPr lang="en-US" sz="3600" b="1" dirty="0" err="1">
                 <a:solidFill>
                   <a:schemeClr val="bg1"/>
                 </a:solidFill>
               </a:rPr>
-              <a:t>един</a:t>
-            </a:r>
-            <a:r>
-              <a:rPr lang="en-US" sz="3600" b="1">
-                <a:solidFill>
-                  <a:schemeClr val="bg1"/>
-                </a:solidFill>
-              </a:rPr>
-              <a:t> </a:t>
-            </a:r>
-            <a:r>
-              <a:rPr lang="en-US" sz="3600" b="1" err="1">
-                <a:solidFill>
-                  <a:schemeClr val="bg1"/>
-                </a:solidFill>
-              </a:rPr>
               <a:t>ред</a:t>
             </a:r>
             <a:r>
-              <a:rPr lang="en-US" sz="3600" b="1">
-                <a:solidFill>
-                  <a:schemeClr val="bg1"/>
-                </a:solidFill>
-              </a:rPr>
-              <a:t> </a:t>
-            </a:r>
-            <a:r>
-              <a:rPr lang="en-US" sz="3600">
-                <a:solidFill>
-                  <a:srgbClr val="234465"/>
-                </a:solidFill>
-              </a:rPr>
-              <a:t>с</a:t>
-            </a:r>
-            <a:br>
-              <a:rPr lang="en-US" sz="3600">
-                <a:ea typeface="+mn-lt"/>
-                <a:cs typeface="+mn-lt"/>
-              </a:rPr>
-            </a:br>
-            <a:r>
-              <a:rPr lang="en-US" sz="3600" b="1" err="1">
-                <a:solidFill>
-                  <a:schemeClr val="bg1"/>
-                </a:solidFill>
-                <a:ea typeface="+mn-lt"/>
-                <a:cs typeface="+mn-lt"/>
-              </a:rPr>
-              <a:t>разделени</a:t>
-            </a:r>
-            <a:r>
-              <a:rPr lang="en-US" sz="3600" b="1">
-                <a:solidFill>
-                  <a:schemeClr val="bg1"/>
-                </a:solidFill>
-                <a:ea typeface="+mn-lt"/>
-                <a:cs typeface="+mn-lt"/>
-              </a:rPr>
-              <a:t> </a:t>
-            </a:r>
-            <a:r>
-              <a:rPr lang="en-US" sz="3600" b="1" err="1">
-                <a:solidFill>
-                  <a:schemeClr val="bg1"/>
-                </a:solidFill>
-                <a:ea typeface="+mn-lt"/>
-                <a:cs typeface="+mn-lt"/>
-              </a:rPr>
-              <a:t>стойности</a:t>
-            </a:r>
-            <a:endParaRPr lang="en-US" sz="3600" b="1" err="1">
-              <a:solidFill>
-                <a:schemeClr val="bg1"/>
-              </a:solidFill>
+              <a:rPr lang="bg-BG" sz="3600" dirty="0"/>
+              <a:t>, като стойностите са разделени с </a:t>
+            </a:r>
+            <a:r>
+              <a:rPr lang="bg-BG" sz="3600" b="1" dirty="0"/>
+              <a:t>интервал</a:t>
+            </a:r>
+            <a:endParaRPr lang="en-US" b="1" dirty="0">
               <a:ea typeface="Calibri"/>
               <a:cs typeface="Calibri"/>
             </a:endParaRPr>
@@ -11028,7 +10818,7 @@
                 <a:spcPct val="90000"/>
               </a:lnSpc>
             </a:pPr>
-            <a:endParaRPr lang="en-US">
+            <a:endParaRPr lang="en-US" dirty="0">
               <a:ea typeface="Calibri"/>
               <a:cs typeface="Calibri"/>
             </a:endParaRPr>
@@ -11039,18 +10829,7 @@
                 <a:spcPct val="90000"/>
               </a:lnSpc>
             </a:pPr>
-            <a:endParaRPr lang="en-US">
-              <a:ea typeface="Calibri"/>
-              <a:cs typeface="Calibri"/>
-            </a:endParaRPr>
-          </a:p>
-          <a:p>
-            <a:pPr marL="360045" indent="-360045">
-              <a:lnSpc>
-                <a:spcPct val="90000"/>
-              </a:lnSpc>
-            </a:pPr>
-            <a:endParaRPr lang="en-US">
+            <a:endParaRPr lang="en-US" dirty="0">
               <a:ea typeface="Calibri"/>
               <a:cs typeface="Calibri"/>
             </a:endParaRPr>
@@ -11063,7 +10842,7 @@
               <a:buFont typeface="Wingdings" panose="05000000000000000000" pitchFamily="2" charset="2"/>
               <a:buNone/>
             </a:pPr>
-            <a:endParaRPr lang="en-US"/>
+            <a:endParaRPr lang="en-US" dirty="0"/>
           </a:p>
         </p:txBody>
       </p:sp>
@@ -11096,70 +10875,42 @@
           <a:lstStyle/>
           <a:p>
             <a:r>
-              <a:rPr lang="en-US" sz="3950" err="1"/>
-              <a:t>Четене</a:t>
-            </a:r>
-            <a:r>
-              <a:rPr lang="en-US" sz="3950"/>
+              <a:rPr lang="en-US" sz="3950" dirty="0"/>
+              <a:t>Четене на </a:t>
+            </a:r>
+            <a:r>
+              <a:rPr lang="en-US" sz="3950" dirty="0" err="1"/>
+              <a:t>стойностите</a:t>
+            </a:r>
+            <a:r>
+              <a:rPr lang="en-US" sz="3950" dirty="0"/>
+              <a:t> на </a:t>
+            </a:r>
+            <a:r>
+              <a:rPr lang="en-US" sz="3950" dirty="0" err="1"/>
+              <a:t>масива</a:t>
+            </a:r>
+            <a:r>
+              <a:rPr lang="en-US" sz="3950" dirty="0"/>
+              <a:t> от </a:t>
+            </a:r>
+            <a:r>
+              <a:rPr lang="en-US" sz="3950" dirty="0" err="1"/>
+              <a:t>един</a:t>
+            </a:r>
+            <a:r>
+              <a:rPr lang="en-US" sz="3950" dirty="0"/>
               <a:t> </a:t>
             </a:r>
             <a:r>
-              <a:rPr lang="en-US" sz="3950" err="1"/>
-              <a:t>на</a:t>
-            </a:r>
-            <a:r>
-              <a:rPr lang="en-US" sz="3950"/>
-              <a:t> </a:t>
-            </a:r>
-            <a:r>
-              <a:rPr lang="en-US" sz="3950" err="1"/>
-              <a:t>стойностите</a:t>
-            </a:r>
-            <a:r>
-              <a:rPr lang="en-US" sz="3950"/>
-              <a:t> </a:t>
-            </a:r>
-            <a:r>
-              <a:rPr lang="en-US" sz="3950" err="1"/>
-              <a:t>на</a:t>
-            </a:r>
-            <a:r>
-              <a:rPr lang="en-US" sz="3950"/>
-              <a:t> </a:t>
-            </a:r>
-            <a:r>
-              <a:rPr lang="en-US" sz="3950" err="1"/>
-              <a:t>масива</a:t>
-            </a:r>
-            <a:r>
-              <a:rPr lang="en-US" sz="3950"/>
-              <a:t> </a:t>
-            </a:r>
-            <a:r>
-              <a:rPr lang="en-US" sz="3950" err="1"/>
-              <a:t>от</a:t>
-            </a:r>
-            <a:r>
-              <a:rPr lang="en-US" sz="3950"/>
-              <a:t> </a:t>
-            </a:r>
-            <a:r>
-              <a:rPr lang="en-US" sz="3950" err="1"/>
-              <a:t>един</a:t>
-            </a:r>
-            <a:r>
-              <a:rPr lang="en-US" sz="3950"/>
-              <a:t> </a:t>
-            </a:r>
-            <a:r>
-              <a:rPr lang="en-US" sz="3950" err="1"/>
+              <a:rPr lang="en-US" sz="3950" dirty="0" err="1"/>
               <a:t>ред</a:t>
             </a:r>
             <a:r>
-              <a:rPr lang="en-US" sz="3950"/>
+              <a:rPr lang="en-US" sz="3950" dirty="0"/>
               <a:t>  </a:t>
             </a:r>
-            <a:endParaRPr lang="bg-BG"/>
+            <a:endParaRPr lang="bg-BG" dirty="0"/>
           </a:p>
         </p:txBody>
       </p:sp>
@@ -11475,7 +11226,23 @@
                   <a:schemeClr val="bg2"/>
                 </a:solidFill>
               </a:rPr>
-              <a:t>разделя чрез място в </a:t>
+              <a:t>разделя чрез </a:t>
+            </a:r>
+            <a:r>
+              <a:rPr lang="bg-BG" sz="3200" b="1" noProof="1">
+                <a:solidFill>
+                  <a:schemeClr val="bg2"/>
+                </a:solidFill>
+              </a:rPr>
+              <a:t>интервал</a:t>
+            </a:r>
+            <a:r>
+              <a:rPr lang="en-US" sz="3200" b="1" noProof="1">
+                <a:solidFill>
+                  <a:schemeClr val="bg2"/>
+                </a:solidFill>
+              </a:rPr>
+              <a:t> в </a:t>
             </a:r>
             <a:br>
               <a:rPr lang="en-US" sz="3200" b="1" noProof="1"/>
@@ -12190,39 +11957,19 @@
           <a:p>
             <a:pPr marL="457200" indent="-457200"/>
             <a:r>
-              <a:rPr lang="en-US" sz="3600" err="1"/>
-              <a:t>Четене</a:t>
-            </a:r>
-            <a:r>
-              <a:rPr lang="en-US" sz="3600"/>
-              <a:t> </a:t>
-            </a:r>
-            <a:r>
-              <a:rPr lang="en-US" sz="3600" err="1"/>
-              <a:t>на</a:t>
-            </a:r>
-            <a:r>
-              <a:rPr lang="en-US" sz="3600"/>
-              <a:t> </a:t>
-            </a:r>
-            <a:r>
-              <a:rPr lang="en-US" sz="3600" err="1"/>
+              <a:rPr lang="en-US" sz="3600" dirty="0"/>
+              <a:t>Четене на </a:t>
+            </a:r>
+            <a:r>
+              <a:rPr lang="en-US" sz="3600" dirty="0" err="1"/>
               <a:t>масив</a:t>
             </a:r>
             <a:r>
-              <a:rPr lang="en-US" sz="3600"/>
-              <a:t> </a:t>
-            </a:r>
-            <a:r>
-              <a:rPr lang="en-US" sz="3600" err="1"/>
-              <a:t>от</a:t>
-            </a:r>
-            <a:r>
-              <a:rPr lang="en-US" sz="3600"/>
-              <a:t> </a:t>
-            </a:r>
-            <a:r>
-              <a:rPr lang="en-US" sz="3600" b="1" err="1">
+              <a:rPr lang="en-US" sz="3600" dirty="0"/>
+              <a:t> от </a:t>
+            </a:r>
+            <a:r>
+              <a:rPr lang="en-US" sz="3600" b="1" dirty="0" err="1">
                 <a:solidFill>
                   <a:schemeClr val="bg1"/>
                 </a:solidFill>
@@ -12232,34 +11979,34 @@
               <a:t>числа</a:t>
             </a:r>
             <a:r>
-              <a:rPr lang="en-US" sz="3600"/>
+              <a:rPr lang="en-US" sz="3600" dirty="0"/>
               <a:t>:</a:t>
             </a:r>
           </a:p>
           <a:p>
             <a:pPr marL="360045" indent="-360045"/>
-            <a:endParaRPr lang="en-US">
+            <a:endParaRPr lang="en-US" dirty="0">
               <a:ea typeface="Calibri"/>
               <a:cs typeface="Calibri"/>
             </a:endParaRPr>
           </a:p>
           <a:p>
             <a:pPr marL="360045" indent="-360045"/>
-            <a:endParaRPr lang="en-US">
+            <a:endParaRPr lang="en-US" dirty="0">
               <a:ea typeface="Calibri"/>
               <a:cs typeface="Calibri"/>
             </a:endParaRPr>
           </a:p>
           <a:p>
             <a:pPr marL="360045" indent="-360045"/>
-            <a:endParaRPr lang="en-US">
+            <a:endParaRPr lang="en-US" dirty="0">
               <a:ea typeface="Calibri"/>
               <a:cs typeface="Calibri"/>
             </a:endParaRPr>
           </a:p>
           <a:p>
             <a:pPr marL="360045" indent="-360045"/>
-            <a:endParaRPr lang="en-US">
+            <a:endParaRPr lang="en-US" dirty="0">
               <a:ea typeface="Calibri"/>
               <a:cs typeface="Calibri"/>
             </a:endParaRPr>
@@ -12312,72 +12059,44 @@
                 <a:ea typeface="+mj-lt"/>
                 <a:cs typeface="+mj-lt"/>
               </a:rPr>
-              <a:t> </a:t>
+              <a:t> на </a:t>
             </a:r>
             <a:r>
               <a:rPr lang="en-US" sz="3950" dirty="0" err="1">
                 <a:ea typeface="+mj-lt"/>
                 <a:cs typeface="+mj-lt"/>
               </a:rPr>
-              <a:t>на</a:t>
+              <a:t>масив</a:t>
             </a:r>
             <a:r>
               <a:rPr lang="en-US" sz="3950" dirty="0">
                 <a:ea typeface="+mj-lt"/>
                 <a:cs typeface="+mj-lt"/>
               </a:rPr>
-              <a:t> </a:t>
+              <a:t> от </a:t>
             </a:r>
             <a:r>
               <a:rPr lang="en-US" sz="3950" dirty="0" err="1">
                 <a:ea typeface="+mj-lt"/>
                 <a:cs typeface="+mj-lt"/>
               </a:rPr>
-              <a:t>масив</a:t>
+              <a:t>един</a:t>
             </a:r>
             <a:r>
               <a:rPr lang="en-US" sz="3950" dirty="0">
                 <a:ea typeface="+mj-lt"/>
                 <a:cs typeface="+mj-lt"/>
               </a:rPr>
-              <a:t> </a:t>
+              <a:t> </a:t>
             </a:r>
             <a:r>
               <a:rPr lang="en-US" sz="3950" dirty="0" err="1">
                 <a:ea typeface="+mj-lt"/>
                 <a:cs typeface="+mj-lt"/>
               </a:rPr>
-              <a:t>от</a:t>
-            </a:r>
-            <a:r>
-              <a:rPr lang="en-US" sz="3950" dirty="0">
-                <a:ea typeface="+mj-lt"/>
-                <a:cs typeface="+mj-lt"/>
-              </a:rPr>
-              <a:t> </a:t>
-            </a:r>
-            <a:r>
-              <a:rPr lang="en-US" sz="3950" dirty="0" err="1">
-                <a:ea typeface="+mj-lt"/>
-                <a:cs typeface="+mj-lt"/>
-              </a:rPr>
-              <a:t>един</a:t>
-            </a:r>
-            <a:r>
-              <a:rPr lang="en-US" sz="3950" dirty="0">
-                <a:ea typeface="+mj-lt"/>
-                <a:cs typeface="+mj-lt"/>
-              </a:rPr>
-              <a:t> </a:t>
-            </a:r>
-            <a:r>
-              <a:rPr lang="en-US" sz="3950" dirty="0" err="1">
-                <a:ea typeface="+mj-lt"/>
-                <a:cs typeface="+mj-lt"/>
-              </a:rPr>
               <a:t>ред</a:t>
             </a:r>
-            <a:endParaRPr lang="en-US" sz="3950" dirty="0" err="1"/>
+            <a:endParaRPr lang="en-US" sz="3950" dirty="0"/>
           </a:p>
         </p:txBody>
       </p:sp>
@@ -12742,7 +12461,7 @@
               </a:rPr>
               <a:t>Или  </a:t>
             </a:r>
-            <a:endParaRPr lang="bg-BG">
+            <a:endParaRPr lang="bg-BG" dirty="0">
               <a:solidFill>
                 <a:schemeClr val="bg2"/>
               </a:solidFill>
@@ -12751,14 +12470,38 @@
           <a:p>
             <a:pPr algn="ctr"/>
             <a:r>
+              <a:rPr lang="bg-BG" sz="2800" b="1" noProof="1">
+                <a:solidFill>
+                  <a:schemeClr val="bg2"/>
+                </a:solidFill>
+              </a:rPr>
+              <a:t>п</a:t>
+            </a:r>
+            <a:r>
               <a:rPr lang="en-US" sz="2800" b="1" noProof="1">
                 <a:solidFill>
                   <a:schemeClr val="bg2"/>
                 </a:solidFill>
               </a:rPr>
-              <a:t>пократко</a:t>
-            </a:r>
-            <a:endParaRPr lang="en-US">
+              <a:t>о</a:t>
+            </a:r>
+            <a:r>
+              <a:rPr lang="bg-BG" sz="2800" b="1" noProof="1">
+                <a:solidFill>
+                  <a:schemeClr val="bg2"/>
+                </a:solidFill>
+              </a:rPr>
+              <a:t>-</a:t>
+            </a:r>
+            <a:r>
+              <a:rPr lang="en-US" sz="2800" b="1" noProof="1">
+                <a:solidFill>
+                  <a:schemeClr val="bg2"/>
+                </a:solidFill>
+              </a:rPr>
+              <a:t>кратко</a:t>
+            </a:r>
+            <a:endParaRPr lang="en-US" dirty="0">
               <a:solidFill>
                 <a:schemeClr val="bg2"/>
               </a:solidFill>
@@ -13429,11 +13172,19 @@
             </a:r>
             <a:r>
               <a:rPr lang="en-US" sz="3600" dirty="0"/>
-              <a:t> </a:t>
+              <a:t> на </a:t>
             </a:r>
             <a:r>
               <a:rPr lang="en-US" sz="3600" dirty="0" err="1"/>
-              <a:t>на</a:t>
+              <a:t>масива</a:t>
+            </a:r>
+            <a:r>
+              <a:rPr lang="en-US" sz="3600" dirty="0"/>
+              <a:t>, </a:t>
+            </a:r>
+            <a:r>
+              <a:rPr lang="en-US" sz="3600" dirty="0" err="1"/>
+              <a:t>може</a:t>
             </a:r>
             <a:r>
               <a:rPr lang="en-US" sz="3600" dirty="0"/>
@@ -13441,15 +13192,7 @@
             </a:r>
             <a:r>
               <a:rPr lang="en-US" sz="3600" dirty="0" err="1"/>
-              <a:t>масива</a:t>
-            </a:r>
-            <a:r>
-              <a:rPr lang="en-US" sz="3600" dirty="0"/>
-              <a:t>, </a:t>
-            </a:r>
-            <a:r>
-              <a:rPr lang="en-US" sz="3600" dirty="0" err="1"/>
-              <a:t>може</a:t>
+              <a:t>да</a:t>
             </a:r>
             <a:r>
               <a:rPr lang="en-US" sz="3600" dirty="0"/>
@@ -13457,14 +13200,6 @@
             </a:r>
             <a:r>
               <a:rPr lang="en-US" sz="3600" dirty="0" err="1"/>
-              <a:t>да</a:t>
-            </a:r>
-            <a:r>
-              <a:rPr lang="en-US" sz="3600" dirty="0"/>
-              <a:t> </a:t>
-            </a:r>
-            <a:r>
-              <a:rPr lang="en-US" sz="3600" dirty="0" err="1"/>
               <a:t>използваме</a:t>
             </a:r>
             <a:r>
@@ -13495,7 +13230,7 @@
               <a:rPr lang="en-US" sz="3600" dirty="0"/>
               <a:t> </a:t>
             </a:r>
-            <a:endParaRPr lang="en-US" sz="3400">
+            <a:endParaRPr lang="en-US" sz="3400" dirty="0">
               <a:solidFill>
                 <a:srgbClr val="1A334C"/>
               </a:solidFill>
@@ -13533,42 +13268,42 @@
                 <a:ea typeface="+mn-lt"/>
                 <a:cs typeface="+mn-lt"/>
               </a:rPr>
-              <a:t> с </a:t>
+              <a:t> </a:t>
             </a:r>
             <a:r>
               <a:rPr lang="en-US" sz="3400" dirty="0" err="1">
                 <a:ea typeface="+mn-lt"/>
                 <a:cs typeface="+mn-lt"/>
               </a:rPr>
-              <a:t>интервал</a:t>
+              <a:t>с</a:t>
             </a:r>
             <a:r>
               <a:rPr lang="en-US" sz="3400" dirty="0">
                 <a:ea typeface="+mn-lt"/>
                 <a:cs typeface="+mn-lt"/>
               </a:rPr>
-              <a:t> </a:t>
+              <a:t> </a:t>
             </a:r>
             <a:r>
               <a:rPr lang="en-US" sz="3400" dirty="0" err="1">
                 <a:ea typeface="+mn-lt"/>
                 <a:cs typeface="+mn-lt"/>
               </a:rPr>
-              <a:t>или</a:t>
+              <a:t>интервал</a:t>
             </a:r>
             <a:r>
               <a:rPr lang="en-US" sz="3400" dirty="0">
                 <a:ea typeface="+mn-lt"/>
                 <a:cs typeface="+mn-lt"/>
               </a:rPr>
-              <a:t> </a:t>
+              <a:t> </a:t>
             </a:r>
             <a:r>
               <a:rPr lang="en-US" sz="3400" dirty="0" err="1">
                 <a:ea typeface="+mn-lt"/>
                 <a:cs typeface="+mn-lt"/>
               </a:rPr>
-              <a:t>нов</a:t>
+              <a:t>или</a:t>
             </a:r>
             <a:r>
               <a:rPr lang="en-US" sz="3400" dirty="0">
@@ -13582,9 +13317,23 @@
                 <a:ea typeface="+mn-lt"/>
                 <a:cs typeface="+mn-lt"/>
               </a:rPr>
+              <a:t>нов</a:t>
+            </a:r>
+            <a:r>
+              <a:rPr lang="en-US" sz="3400" dirty="0">
+                <a:ea typeface="+mn-lt"/>
+                <a:cs typeface="+mn-lt"/>
+              </a:rPr>
+              <a:t> </a:t>
+            </a:r>
+            <a:r>
+              <a:rPr lang="en-US" sz="3400" dirty="0" err="1">
+                <a:ea typeface="+mn-lt"/>
+                <a:cs typeface="+mn-lt"/>
+              </a:rPr>
               <a:t>ред</a:t>
             </a:r>
-            <a:endParaRPr lang="en-US" sz="3400" dirty="0" err="1">
+            <a:endParaRPr lang="en-US" sz="3400" dirty="0">
               <a:solidFill>
                 <a:schemeClr val="tx2">
                   <a:lumMod val="75000"/>
@@ -13634,56 +13383,21 @@
                 <a:ea typeface="+mj-lt"/>
                 <a:cs typeface="+mj-lt"/>
               </a:rPr>
-              <a:t> </a:t>
+              <a:t> на </a:t>
             </a:r>
             <a:r>
               <a:rPr lang="en-US" sz="3950" dirty="0" err="1">
                 <a:ea typeface="+mj-lt"/>
                 <a:cs typeface="+mj-lt"/>
               </a:rPr>
-              <a:t>на</a:t>
+              <a:t>масив</a:t>
             </a:r>
             <a:r>
               <a:rPr lang="en-US" sz="3950" dirty="0">
                 <a:ea typeface="+mj-lt"/>
                 <a:cs typeface="+mj-lt"/>
               </a:rPr>
-              <a:t> </a:t>
-            </a:r>
-            <a:r>
-              <a:rPr lang="en-US" sz="3950" dirty="0" err="1">
-                <a:ea typeface="+mj-lt"/>
-                <a:cs typeface="+mj-lt"/>
-              </a:rPr>
-              <a:t>масив</a:t>
-            </a:r>
-            <a:r>
-              <a:rPr lang="en-US" sz="3950" dirty="0">
-                <a:ea typeface="+mj-lt"/>
-                <a:cs typeface="+mj-lt"/>
-              </a:rPr>
-              <a:t> </a:t>
-            </a:r>
-            <a:r>
-              <a:rPr lang="en-US" sz="3950" dirty="0" err="1">
-                <a:ea typeface="+mj-lt"/>
-                <a:cs typeface="+mj-lt"/>
-              </a:rPr>
-              <a:t>на</a:t>
-            </a:r>
-            <a:r>
-              <a:rPr lang="en-US" sz="3950" dirty="0">
-                <a:ea typeface="+mj-lt"/>
-                <a:cs typeface="+mj-lt"/>
-              </a:rPr>
-              <a:t> </a:t>
-            </a:r>
-            <a:r>
-              <a:rPr lang="en-US" sz="3950" dirty="0" err="1">
-                <a:ea typeface="+mj-lt"/>
-                <a:cs typeface="+mj-lt"/>
-              </a:rPr>
-              <a:t>конзолата</a:t>
+              <a:t> на конзолата</a:t>
             </a:r>
             <a:endParaRPr lang="bg-BG" sz="3950" dirty="0">
               <a:ea typeface="Calibri"/>
@@ -14588,11 +14302,32 @@
             </a:r>
             <a:r>
               <a:rPr lang="en-US" sz="3600" dirty="0"/>
+              <a:t> от </a:t>
+            </a:r>
+            <a:r>
+              <a:rPr lang="en-US" sz="3600" dirty="0" err="1"/>
+              <a:t>числа</a:t>
+            </a:r>
+            <a:r>
+              <a:rPr lang="en-US" sz="3600" dirty="0"/>
+              <a:t> (</a:t>
+            </a:r>
+            <a:r>
+              <a:rPr lang="en-US" sz="3600" b="1" dirty="0">
+                <a:solidFill>
+                  <a:schemeClr val="bg1"/>
+                </a:solidFill>
+                <a:latin typeface="Consolas"/>
+              </a:rPr>
+              <a:t>n</a:t>
+            </a:r>
+            <a:r>
+              <a:rPr lang="en-US" sz="3600" b="1" dirty="0"/>
               <a:t> </a:t>
             </a:r>
             <a:r>
               <a:rPr lang="en-US" sz="3600" dirty="0" err="1"/>
-              <a:t>от</a:t>
+              <a:t>реда</a:t>
             </a:r>
             <a:r>
               <a:rPr lang="en-US" sz="3600" dirty="0"/>
@@ -14600,32 +14335,11 @@
             </a:r>
             <a:r>
               <a:rPr lang="en-US" sz="3600" dirty="0" err="1"/>
-              <a:t>числа</a:t>
+              <a:t>с</a:t>
             </a:r>
             <a:r>
               <a:rPr lang="en-US" sz="3600" dirty="0"/>
-              <a:t> (</a:t>
-            </a:r>
-            <a:r>
-              <a:rPr lang="en-US" sz="3600" b="1" dirty="0">
-                <a:solidFill>
-                  <a:schemeClr val="bg1"/>
-                </a:solidFill>
-                <a:latin typeface="Consolas"/>
-              </a:rPr>
-              <a:t>n</a:t>
-            </a:r>
-            <a:r>
-              <a:rPr lang="en-US" sz="3600" b="1" dirty="0"/>
               <a:t> </a:t>
-            </a:r>
-            <a:r>
-              <a:rPr lang="en-US" sz="3600" dirty="0" err="1"/>
-              <a:t>реда</a:t>
-            </a:r>
-            <a:r>
-              <a:rPr lang="en-US" sz="3600" dirty="0"/>
-              <a:t> с </a:t>
             </a:r>
             <a:r>
               <a:rPr lang="en-US" sz="3600" dirty="0" err="1"/>
@@ -14657,7 +14371,11 @@
             </a:r>
             <a:r>
               <a:rPr lang="en-US" sz="3600" dirty="0"/>
-              <a:t> и</a:t>
+              <a:t> </a:t>
+            </a:r>
+            <a:r>
+              <a:rPr lang="en-US" sz="3600" dirty="0" err="1"/>
+              <a:t>и</a:t>
             </a:r>
             <a:br>
               <a:rPr lang="en-US" sz="3600" dirty="0"/>
@@ -14676,11 +14394,27 @@
             </a:r>
             <a:r>
               <a:rPr lang="en-US" sz="3600" dirty="0"/>
+              <a:t> на </a:t>
+            </a:r>
+            <a:r>
+              <a:rPr lang="bg-BG" sz="3600" dirty="0"/>
+              <a:t>обратен</a:t>
+            </a:r>
+            <a:r>
+              <a:rPr lang="en-US" sz="3600" dirty="0"/>
               <a:t> </a:t>
             </a:r>
             <a:r>
               <a:rPr lang="en-US" sz="3600" dirty="0" err="1"/>
-              <a:t>на</a:t>
+              <a:t>ред</a:t>
+            </a:r>
+            <a:r>
+              <a:rPr lang="en-US" sz="3600" dirty="0"/>
+              <a:t>, </a:t>
+            </a:r>
+            <a:r>
+              <a:rPr lang="en-US" sz="3600" dirty="0" err="1"/>
+              <a:t>разделени</a:t>
             </a:r>
             <a:r>
               <a:rPr lang="en-US" sz="3600" dirty="0"/>
@@ -14688,34 +14422,14 @@
             </a:r>
             <a:r>
               <a:rPr lang="en-US" sz="3600" dirty="0" err="1"/>
-              <a:t>нов</a:t>
-            </a:r>
-            <a:r>
-              <a:rPr lang="en-US" sz="3600" dirty="0"/>
-              <a:t> </a:t>
-            </a:r>
-            <a:r>
-              <a:rPr lang="en-US" sz="3600" dirty="0" err="1"/>
-              <a:t>ред</a:t>
-            </a:r>
-            <a:r>
-              <a:rPr lang="en-US" sz="3600" dirty="0"/>
-              <a:t>, </a:t>
-            </a:r>
-            <a:r>
-              <a:rPr lang="en-US" sz="3600" dirty="0" err="1"/>
-              <a:t>разделени</a:t>
-            </a:r>
-            <a:r>
-              <a:rPr lang="en-US" sz="3600" dirty="0"/>
-              <a:t> с</a:t>
+              <a:t>с</a:t>
             </a:r>
             <a:br>
               <a:rPr lang="en-US" sz="3600" dirty="0"/>
             </a:br>
             <a:r>
               <a:rPr lang="en-US" sz="3600" dirty="0" err="1"/>
-              <a:t>интеравал</a:t>
+              <a:t>интервал</a:t>
             </a:r>
             <a:r>
               <a:rPr lang="en-US" sz="3600" dirty="0"/>
@@ -14746,77 +14460,77 @@
           <a:lstStyle/>
           <a:p>
             <a:r>
-              <a:rPr lang="en-US" sz="3950" err="1"/>
+              <a:rPr lang="en-US" sz="3950" dirty="0" err="1"/>
               <a:t>Задача</a:t>
             </a:r>
             <a:r>
-              <a:rPr lang="en-US" sz="3950"/>
+              <a:rPr lang="en-US" sz="3950" dirty="0"/>
               <a:t>: </a:t>
             </a:r>
             <a:r>
-              <a:rPr lang="en-US" sz="3950" err="1">
+              <a:rPr lang="en-US" sz="3950" dirty="0" err="1">
                 <a:ea typeface="+mj-lt"/>
                 <a:cs typeface="+mj-lt"/>
               </a:rPr>
               <a:t>Отпечатване</a:t>
             </a:r>
             <a:r>
-              <a:rPr lang="en-US" sz="3950">
+              <a:rPr lang="en-US" sz="3950" dirty="0">
                 <a:ea typeface="+mj-lt"/>
                 <a:cs typeface="+mj-lt"/>
               </a:rPr>
-              <a:t> </a:t>
-            </a:r>
-            <a:r>
-              <a:rPr lang="en-US" sz="3950" err="1">
+              <a:t> на </a:t>
+            </a:r>
+            <a:r>
+              <a:rPr lang="en-US" sz="3950" dirty="0" err="1">
                 <a:ea typeface="+mj-lt"/>
                 <a:cs typeface="+mj-lt"/>
               </a:rPr>
-              <a:t>на</a:t>
-            </a:r>
-            <a:r>
-              <a:rPr lang="en-US" sz="3950">
+              <a:t>числа</a:t>
+            </a:r>
+            <a:r>
+              <a:rPr lang="en-US" sz="3950" dirty="0">
                 <a:ea typeface="+mj-lt"/>
                 <a:cs typeface="+mj-lt"/>
               </a:rPr>
               <a:t> </a:t>
             </a:r>
             <a:r>
-              <a:rPr lang="en-US" sz="3950" err="1">
+              <a:rPr lang="en-US" sz="3950" dirty="0" err="1">
                 <a:ea typeface="+mj-lt"/>
                 <a:cs typeface="+mj-lt"/>
               </a:rPr>
-              <a:t>числа</a:t>
-            </a:r>
-            <a:r>
-              <a:rPr lang="en-US" sz="3950">
+              <a:t>в</a:t>
+            </a:r>
+            <a:r>
+              <a:rPr lang="en-US" sz="3950" dirty="0">
                 <a:ea typeface="+mj-lt"/>
                 <a:cs typeface="+mj-lt"/>
               </a:rPr>
-              <a:t> в </a:t>
-            </a:r>
-            <a:r>
-              <a:rPr lang="en-US" sz="3950" err="1">
+              <a:t> </a:t>
+            </a:r>
+            <a:r>
+              <a:rPr lang="en-US" sz="3950" dirty="0" err="1">
                 <a:ea typeface="+mj-lt"/>
                 <a:cs typeface="+mj-lt"/>
               </a:rPr>
               <a:t>обратен</a:t>
             </a:r>
             <a:r>
-              <a:rPr lang="en-US" sz="3950">
+              <a:rPr lang="en-US" sz="3950" dirty="0">
                 <a:ea typeface="+mj-lt"/>
                 <a:cs typeface="+mj-lt"/>
               </a:rPr>
               <a:t> </a:t>
             </a:r>
             <a:r>
-              <a:rPr lang="en-US" sz="3950" err="1">
+              <a:rPr lang="en-US" sz="3950" dirty="0" err="1">
                 <a:ea typeface="+mj-lt"/>
                 <a:cs typeface="+mj-lt"/>
               </a:rPr>
               <a:t>ред</a:t>
             </a:r>
-            <a:endParaRPr lang="bg-BG" err="1"/>
+            <a:endParaRPr lang="bg-BG" dirty="0"/>
           </a:p>
         </p:txBody>
       </p:sp>
@@ -15652,50 +15366,50 @@
           <a:lstStyle/>
           <a:p>
             <a:r>
-              <a:rPr lang="en-US" sz="3950" err="1"/>
+              <a:rPr lang="en-US" sz="3950" dirty="0" err="1"/>
               <a:t>Решение</a:t>
             </a:r>
             <a:r>
-              <a:rPr lang="en-US" sz="3950"/>
+              <a:rPr lang="en-US" sz="3950" dirty="0"/>
               <a:t>: </a:t>
             </a:r>
             <a:r>
-              <a:rPr lang="en-US" sz="3950" err="1"/>
+              <a:rPr lang="en-US" sz="3950" dirty="0" err="1"/>
               <a:t>Отпечатване</a:t>
             </a:r>
             <a:r>
-              <a:rPr lang="en-US" sz="3950"/>
+              <a:rPr lang="en-US" sz="3950" dirty="0"/>
+              <a:t> на </a:t>
+            </a:r>
+            <a:r>
+              <a:rPr lang="en-US" sz="3950" dirty="0" err="1"/>
+              <a:t>числа</a:t>
+            </a:r>
+            <a:r>
+              <a:rPr lang="en-US" sz="3950" dirty="0"/>
               <a:t> </a:t>
             </a:r>
             <a:r>
-              <a:rPr lang="en-US" sz="3950" err="1"/>
-              <a:t>на</a:t>
-            </a:r>
-            <a:r>
-              <a:rPr lang="en-US" sz="3950"/>
+              <a:rPr lang="en-US" sz="3950" dirty="0" err="1"/>
+              <a:t>в</a:t>
+            </a:r>
+            <a:r>
+              <a:rPr lang="en-US" sz="3950" dirty="0"/>
               <a:t> </a:t>
             </a:r>
             <a:r>
-              <a:rPr lang="en-US" sz="3950" err="1"/>
-              <a:t>числа</a:t>
-            </a:r>
-            <a:r>
-              <a:rPr lang="en-US" sz="3950"/>
-              <a:t> в </a:t>
-            </a:r>
-            <a:r>
-              <a:rPr lang="en-US" sz="3950" err="1"/>
+              <a:rPr lang="en-US" sz="3950" dirty="0" err="1"/>
               <a:t>обратен</a:t>
             </a:r>
             <a:r>
-              <a:rPr lang="en-US" sz="3950"/>
+              <a:rPr lang="en-US" sz="3950" dirty="0"/>
               <a:t> </a:t>
             </a:r>
             <a:r>
-              <a:rPr lang="en-US" sz="3950" err="1"/>
+              <a:rPr lang="en-US" sz="3950" dirty="0" err="1"/>
               <a:t>ред</a:t>
             </a:r>
-            <a:endParaRPr lang="en-US" err="1"/>
+            <a:endParaRPr lang="en-US" dirty="0"/>
           </a:p>
         </p:txBody>
       </p:sp>
@@ -15974,28 +15688,36 @@
           <a:p>
             <a:pPr algn="ctr"/>
             <a:r>
-              <a:rPr lang="en-US" sz="2000" err="1"/>
+              <a:rPr lang="en-US" sz="2000" dirty="0" err="1"/>
               <a:t>Тествайте</a:t>
             </a:r>
             <a:r>
-              <a:rPr lang="en-US" sz="2000"/>
+              <a:rPr lang="en-US" sz="2000" dirty="0"/>
               <a:t> </a:t>
             </a:r>
             <a:r>
-              <a:rPr lang="en-US" sz="2000" err="1"/>
+              <a:rPr lang="en-US" sz="2000" dirty="0" err="1"/>
               <a:t>решението</a:t>
             </a:r>
             <a:r>
-              <a:rPr lang="en-US" sz="2000"/>
-              <a:t> в Judge: </a:t>
-            </a:r>
-            <a:r>
-              <a:rPr lang="en-US" sz="2000">
+              <a:rPr lang="en-US" sz="2000" dirty="0"/>
+              <a:t> </a:t>
+            </a:r>
+            <a:r>
+              <a:rPr lang="en-US" sz="2000" dirty="0" err="1"/>
+              <a:t>в</a:t>
+            </a:r>
+            <a:r>
+              <a:rPr lang="en-US" sz="2000" dirty="0"/>
+              <a:t> Judge: </a:t>
+            </a:r>
+            <a:r>
+              <a:rPr lang="en-US" sz="2000" dirty="0">
                 <a:hlinkClick r:id="rId2"/>
               </a:rPr>
               <a:t>https://judge.softuni.org/Contests/Practice/Index/3171#1</a:t>
             </a:r>
-            <a:endParaRPr lang="en-US" sz="2000">
+            <a:endParaRPr lang="en-US" sz="2000" dirty="0">
               <a:ea typeface="Calibri"/>
               <a:cs typeface="Calibri"/>
             </a:endParaRPr>
@@ -16533,23 +16255,7 @@
                   <a:schemeClr val="bg1"/>
                 </a:solidFill>
               </a:rPr>
-              <a:t> </a:t>
-            </a:r>
-            <a:r>
-              <a:rPr lang="en-US" sz="3200" b="1" dirty="0" err="1">
-                <a:solidFill>
-                  <a:schemeClr val="bg1"/>
-                </a:solidFill>
-              </a:rPr>
-              <a:t>от</a:t>
-            </a:r>
-            <a:r>
-              <a:rPr lang="en-US" sz="3200" b="1" dirty="0">
-                <a:solidFill>
-                  <a:schemeClr val="bg1"/>
-                </a:solidFill>
-              </a:rPr>
-              <a:t> </a:t>
+              <a:t> от </a:t>
             </a:r>
             <a:r>
               <a:rPr lang="en-US" sz="3200" b="1" dirty="0" err="1">
@@ -16593,7 +16299,15 @@
             </a:r>
             <a:r>
               <a:rPr lang="en-US" sz="3200" dirty="0"/>
-              <a:t> с </a:t>
+              <a:t> </a:t>
+            </a:r>
+            <a:r>
+              <a:rPr lang="en-US" sz="3200" dirty="0" err="1"/>
+              <a:t>с</a:t>
+            </a:r>
+            <a:r>
+              <a:rPr lang="en-US" sz="3200" dirty="0"/>
+              <a:t> </a:t>
             </a:r>
             <a:r>
               <a:rPr lang="en-US" sz="3200" dirty="0" err="1"/>
@@ -16641,11 +16355,36 @@
               <a:t> </a:t>
             </a:r>
             <a:r>
+              <a:rPr lang="bg-BG" sz="3200" dirty="0">
+                <a:ea typeface="+mn-lt"/>
+                <a:cs typeface="+mn-lt"/>
+              </a:rPr>
+              <a:t>с </a:t>
+            </a:r>
+            <a:r>
+              <a:rPr lang="en-US" sz="3200" b="1" dirty="0" err="1">
+                <a:solidFill>
+                  <a:schemeClr val="bg1"/>
+                </a:solidFill>
+                <a:latin typeface="Consolas" panose="020B0609020204030204" pitchFamily="49" charset="0"/>
+                <a:ea typeface="+mn-lt"/>
+                <a:cs typeface="Consolas" panose="020B0609020204030204" pitchFamily="49" charset="0"/>
+              </a:rPr>
+              <a:t>Math.Round</a:t>
+            </a:r>
+            <a:r>
+              <a:rPr lang="bg-BG" sz="3200" dirty="0">
+                <a:ea typeface="+mn-lt"/>
+                <a:cs typeface="+mn-lt"/>
+              </a:rPr>
+              <a:t> и </a:t>
+            </a:r>
+            <a:r>
               <a:rPr lang="en-US" sz="3200" dirty="0" err="1">
                 <a:ea typeface="+mn-lt"/>
                 <a:cs typeface="+mn-lt"/>
               </a:rPr>
-              <a:t>по</a:t>
+              <a:t>отпечатайте</a:t>
             </a:r>
             <a:r>
               <a:rPr lang="en-US" sz="3200" dirty="0">
@@ -16659,37 +16398,28 @@
                 <a:ea typeface="+mn-lt"/>
                 <a:cs typeface="+mn-lt"/>
               </a:rPr>
-              <a:t>начина</a:t>
-            </a:r>
-            <a:r>
-              <a:rPr lang="en-US" sz="3200" dirty="0"/>
-              <a:t> "</a:t>
-            </a:r>
-            <a:r>
-              <a:rPr lang="en-US" sz="3200" b="1" dirty="0">
-                <a:solidFill>
-                  <a:schemeClr val="bg1"/>
-                </a:solidFill>
-                <a:hlinkClick r:id="rId2">
-                  <a:extLst>
-                    <a:ext uri="{A12FA001-AC4F-418D-AE19-62706E023703}">
-                      <ahyp:hlinkClr xmlns:ahyp="http://schemas.microsoft.com/office/drawing/2018/hyperlinkcolor" val="tx"/>
-                    </a:ext>
-                  </a:extLst>
-                </a:hlinkClick>
-              </a:rPr>
-              <a:t>away from 0</a:t>
-            </a:r>
-            <a:r>
-              <a:rPr lang="en-US" sz="3200" dirty="0"/>
-              <a:t>" </a:t>
+              <a:t>изхода</a:t>
+            </a:r>
+            <a:r>
+              <a:rPr lang="bg-BG" sz="3200" dirty="0">
+                <a:ea typeface="+mn-lt"/>
+                <a:cs typeface="+mn-lt"/>
+              </a:rPr>
+              <a:t>,</a:t>
+            </a:r>
+            <a:r>
+              <a:rPr lang="en-US" sz="3200" dirty="0">
+                <a:ea typeface="+mn-lt"/>
+                <a:cs typeface="+mn-lt"/>
+              </a:rPr>
+              <a:t> </a:t>
             </a:r>
             <a:r>
               <a:rPr lang="en-US" sz="3200" dirty="0" err="1">
                 <a:ea typeface="+mn-lt"/>
                 <a:cs typeface="+mn-lt"/>
               </a:rPr>
-              <a:t>отпечатайте</a:t>
+              <a:t>както</a:t>
             </a:r>
             <a:r>
               <a:rPr lang="en-US" sz="3200" dirty="0">
@@ -16703,7 +16433,7 @@
                 <a:ea typeface="+mn-lt"/>
                 <a:cs typeface="+mn-lt"/>
               </a:rPr>
-              <a:t>изхода</a:t>
+              <a:t>е</a:t>
             </a:r>
             <a:r>
               <a:rPr lang="en-US" sz="3200" dirty="0">
@@ -16717,14 +16447,14 @@
                 <a:ea typeface="+mn-lt"/>
                 <a:cs typeface="+mn-lt"/>
               </a:rPr>
-              <a:t>както</a:t>
+              <a:t>в</a:t>
             </a:r>
             <a:r>
               <a:rPr lang="en-US" sz="3200" dirty="0">
                 <a:ea typeface="+mn-lt"/>
                 <a:cs typeface="+mn-lt"/>
               </a:rPr>
-              <a:t> е в </a:t>
+              <a:t> </a:t>
             </a:r>
             <a:r>
               <a:rPr lang="en-US" sz="3200" dirty="0" err="1">
@@ -17709,7 +17439,7 @@
               </a:buClr>
             </a:pPr>
             <a:r>
-              <a:rPr lang="en-US" sz="3350" b="1" dirty="0">
+              <a:rPr lang="en-US" sz="3350" b="1">
                 <a:solidFill>
                   <a:schemeClr val="bg1"/>
                 </a:solidFill>
@@ -17724,87 +17454,87 @@
               <a:t>Rounding</a:t>
             </a:r>
             <a:r>
-              <a:rPr lang="en-US" sz="3350" dirty="0"/>
+              <a:rPr lang="en-US" sz="3350"/>
               <a:t> </a:t>
             </a:r>
             <a:r>
-              <a:rPr lang="en-US" sz="3350" dirty="0" err="1">
+              <a:rPr lang="en-US" sz="3350" err="1">
                 <a:ea typeface="+mn-lt"/>
                 <a:cs typeface="+mn-lt"/>
               </a:rPr>
               <a:t>закръгля</a:t>
             </a:r>
             <a:r>
-              <a:rPr lang="en-US" sz="3350" dirty="0">
+              <a:rPr lang="en-US" sz="3350">
                 <a:ea typeface="+mn-lt"/>
                 <a:cs typeface="+mn-lt"/>
               </a:rPr>
               <a:t> </a:t>
             </a:r>
             <a:r>
-              <a:rPr lang="en-US" sz="3350" dirty="0" err="1">
+              <a:rPr lang="en-US" sz="3350" err="1">
                 <a:ea typeface="+mn-lt"/>
                 <a:cs typeface="+mn-lt"/>
               </a:rPr>
               <a:t>всяка</a:t>
             </a:r>
             <a:r>
-              <a:rPr lang="en-US" sz="3350" dirty="0">
+              <a:rPr lang="en-US" sz="3350">
                 <a:ea typeface="+mn-lt"/>
                 <a:cs typeface="+mn-lt"/>
               </a:rPr>
               <a:t> </a:t>
             </a:r>
             <a:r>
-              <a:rPr lang="en-US" sz="3350" dirty="0" err="1">
+              <a:rPr lang="en-US" sz="3350" err="1">
                 <a:ea typeface="+mn-lt"/>
                 <a:cs typeface="+mn-lt"/>
               </a:rPr>
               <a:t>стойност</a:t>
             </a:r>
             <a:r>
-              <a:rPr lang="en-US" sz="3350" dirty="0">
+              <a:rPr lang="en-US" sz="3350">
                 <a:ea typeface="+mn-lt"/>
                 <a:cs typeface="+mn-lt"/>
               </a:rPr>
               <a:t> </a:t>
             </a:r>
             <a:r>
-              <a:rPr lang="en-US" sz="3350" dirty="0" err="1">
+              <a:rPr lang="en-US" sz="3350" err="1">
                 <a:ea typeface="+mn-lt"/>
                 <a:cs typeface="+mn-lt"/>
               </a:rPr>
               <a:t>до</a:t>
             </a:r>
             <a:r>
-              <a:rPr lang="en-US" sz="3350" dirty="0">
+              <a:rPr lang="en-US" sz="3350">
                 <a:ea typeface="+mn-lt"/>
                 <a:cs typeface="+mn-lt"/>
               </a:rPr>
               <a:t> </a:t>
             </a:r>
             <a:r>
-              <a:rPr lang="en-US" sz="3350" dirty="0" err="1">
+              <a:rPr lang="en-US" sz="3350" err="1">
                 <a:ea typeface="+mn-lt"/>
                 <a:cs typeface="+mn-lt"/>
               </a:rPr>
               <a:t>най-близкото</a:t>
             </a:r>
             <a:r>
-              <a:rPr lang="en-US" sz="3350" dirty="0">
+              <a:rPr lang="en-US" sz="3350">
                 <a:ea typeface="+mn-lt"/>
                 <a:cs typeface="+mn-lt"/>
               </a:rPr>
               <a:t> </a:t>
             </a:r>
             <a:r>
-              <a:rPr lang="en-US" sz="3350" dirty="0" err="1">
+              <a:rPr lang="en-US" sz="3350" err="1">
                 <a:ea typeface="+mn-lt"/>
                 <a:cs typeface="+mn-lt"/>
               </a:rPr>
               <a:t>число</a:t>
             </a:r>
-            <a:endParaRPr lang="en-US" dirty="0" err="1">
+            <a:endParaRPr lang="en-US" err="1">
               <a:solidFill>
                 <a:schemeClr val="tx2">
                   <a:lumMod val="75000"/>
@@ -18087,13 +17817,13 @@
         </p:nvSpPr>
         <p:spPr bwMode="auto">
           <a:xfrm>
-            <a:off x="7822604" y="3788938"/>
-            <a:ext cx="2241910" cy="914400"/>
+            <a:off x="7914883" y="4102216"/>
+            <a:ext cx="1782790" cy="601121"/>
           </a:xfrm>
           <a:prstGeom prst="wedgeRoundRectCallout">
             <a:avLst>
-              <a:gd name="adj1" fmla="val -68506"/>
-              <a:gd name="adj2" fmla="val 54647"/>
+              <a:gd name="adj1" fmla="val -68132"/>
+              <a:gd name="adj2" fmla="val 62904"/>
               <a:gd name="adj3" fmla="val 16667"/>
             </a:avLst>
           </a:prstGeom>
@@ -18184,44 +17914,58 @@
           <a:p>
             <a:pPr algn="ctr"/>
             <a:r>
-              <a:rPr lang="en-US" sz="2000" err="1">
+              <a:rPr lang="en-US" sz="2000" dirty="0" err="1">
                 <a:ea typeface="+mn-lt"/>
                 <a:cs typeface="+mn-lt"/>
               </a:rPr>
               <a:t>Тествайте</a:t>
             </a:r>
             <a:r>
-              <a:rPr lang="en-US" sz="2000">
+              <a:rPr lang="en-US" sz="2000" dirty="0">
                 <a:ea typeface="+mn-lt"/>
                 <a:cs typeface="+mn-lt"/>
               </a:rPr>
               <a:t> </a:t>
             </a:r>
             <a:r>
-              <a:rPr lang="en-US" sz="2000" err="1">
+              <a:rPr lang="en-US" sz="2000" dirty="0" err="1">
                 <a:ea typeface="+mn-lt"/>
                 <a:cs typeface="+mn-lt"/>
               </a:rPr>
               <a:t>решението</a:t>
             </a:r>
             <a:r>
-              <a:rPr lang="en-US" sz="2000">
+              <a:rPr lang="en-US" sz="2000" dirty="0">
                 <a:ea typeface="+mn-lt"/>
                 <a:cs typeface="+mn-lt"/>
               </a:rPr>
-              <a:t> в Judge</a:t>
-            </a:r>
-            <a:r>
-              <a:rPr lang="en-US" sz="2000"/>
+              <a:t> </a:t>
+            </a:r>
+            <a:r>
+              <a:rPr lang="en-US" sz="2000" dirty="0" err="1">
+                <a:ea typeface="+mn-lt"/>
+                <a:cs typeface="+mn-lt"/>
+              </a:rPr>
+              <a:t>в</a:t>
+            </a:r>
+            <a:r>
+              <a:rPr lang="en-US" sz="2000" dirty="0">
+                <a:ea typeface="+mn-lt"/>
+                <a:cs typeface="+mn-lt"/>
+              </a:rPr>
+              <a:t> Judge</a:t>
+            </a:r>
+            <a:r>
+              <a:rPr lang="en-US" sz="2000" dirty="0"/>
               <a:t>: </a:t>
             </a:r>
             <a:r>
-              <a:rPr lang="en-US" sz="2000">
+              <a:rPr lang="en-US" sz="2000" dirty="0">
                 <a:hlinkClick r:id="rId3"/>
               </a:rPr>
               <a:t>https://judge.softuni.org/Contests/Practice/Index/3171#2</a:t>
             </a:r>
-            <a:endParaRPr lang="en-US" sz="2000">
+            <a:endParaRPr lang="en-US" sz="2000" dirty="0">
               <a:ea typeface="Calibri"/>
               <a:cs typeface="Calibri"/>
             </a:endParaRPr>
@@ -18908,19 +18652,25 @@
               </a:spcAft>
             </a:pPr>
             <a:r>
-              <a:rPr lang="en-US" sz="3600" err="1"/>
+              <a:rPr lang="en-US" sz="3600" dirty="0" err="1"/>
               <a:t>Чрез</a:t>
             </a:r>
             <a:r>
-              <a:rPr lang="en-US" sz="3600"/>
-              <a:t> for-</a:t>
-            </a:r>
-            <a:r>
-              <a:rPr lang="en-US" sz="3600" err="1"/>
-              <a:t>цикъл</a:t>
-            </a:r>
-            <a:r>
-              <a:rPr lang="en-US" sz="3600"/>
+              <a:rPr lang="en-US" sz="3600" dirty="0"/>
+              <a:t> </a:t>
+            </a:r>
+            <a:r>
+              <a:rPr lang="en-US" sz="3600" b="1" dirty="0">
+                <a:solidFill>
+                  <a:schemeClr val="bg1"/>
+                </a:solidFill>
+                <a:latin typeface="Consolas" panose="020B0609020204030204" pitchFamily="49" charset="0"/>
+                <a:cs typeface="Consolas" panose="020B0609020204030204" pitchFamily="49" charset="0"/>
+              </a:rPr>
+              <a:t>for-цикъл</a:t>
+            </a:r>
+            <a:r>
+              <a:rPr lang="en-US" sz="3600" dirty="0"/>
               <a:t>:</a:t>
             </a:r>
           </a:p>
@@ -18936,7 +18686,7 @@
                 <a:spcPts val="0"/>
               </a:spcAft>
             </a:pPr>
-            <a:endParaRPr lang="en-US" sz="3600">
+            <a:endParaRPr lang="en-US" sz="3600" dirty="0">
               <a:ea typeface="Calibri"/>
               <a:cs typeface="Calibri"/>
             </a:endParaRPr>
@@ -18953,7 +18703,7 @@
                 <a:spcPts val="0"/>
               </a:spcAft>
             </a:pPr>
-            <a:endParaRPr lang="en-US" sz="3600">
+            <a:endParaRPr lang="en-US" sz="3600" dirty="0">
               <a:ea typeface="Calibri"/>
               <a:cs typeface="Calibri"/>
             </a:endParaRPr>
@@ -18970,7 +18720,7 @@
                 <a:spcPts val="0"/>
               </a:spcAft>
             </a:pPr>
-            <a:endParaRPr lang="en-US" sz="3600">
+            <a:endParaRPr lang="en-US" sz="3600" dirty="0">
               <a:ea typeface="Calibri"/>
               <a:cs typeface="Calibri"/>
             </a:endParaRPr>
@@ -18985,7 +18735,7 @@
               </a:spcAft>
             </a:pPr>
             <a:r>
-              <a:rPr lang="en-US" sz="3600" err="1">
+              <a:rPr lang="en-US" sz="3600" dirty="0" err="1">
                 <a:solidFill>
                   <a:srgbClr val="234465"/>
                 </a:solidFill>
@@ -18996,7 +18746,7 @@
               <a:t>Чрез</a:t>
             </a:r>
             <a:r>
-              <a:rPr lang="en-US" sz="3600">
+              <a:rPr lang="en-US" sz="3600" dirty="0">
                 <a:solidFill>
                   <a:srgbClr val="234465"/>
                 </a:solidFill>
@@ -19045,10 +18795,10 @@
               <a:t>масив)</a:t>
             </a:r>
             <a:r>
-              <a:rPr lang="en-US" sz="3200"/>
+              <a:rPr lang="en-US" sz="3200" dirty="0"/>
               <a:t>:</a:t>
             </a:r>
-            <a:endParaRPr lang="en-US" sz="3600"/>
+            <a:endParaRPr lang="en-US" sz="3600" dirty="0"/>
           </a:p>
         </p:txBody>
       </p:sp>
@@ -19081,39 +18831,31 @@
           <a:lstStyle/>
           <a:p>
             <a:r>
-              <a:rPr lang="en-US" sz="3400" dirty="0" err="1"/>
-              <a:t>Принтирайте</a:t>
-            </a:r>
-            <a:r>
-              <a:rPr lang="en-US" sz="3400" dirty="0"/>
+              <a:rPr lang="bg-BG" sz="3200" dirty="0"/>
+              <a:t>Отпечатване на</a:t>
+            </a:r>
+            <a:r>
+              <a:rPr lang="en-US" sz="3200" dirty="0"/>
               <a:t> </a:t>
             </a:r>
             <a:r>
-              <a:rPr lang="en-US" sz="3400" dirty="0" err="1"/>
+              <a:rPr lang="en-US" sz="3200" dirty="0" err="1"/>
               <a:t>масив</a:t>
             </a:r>
             <a:r>
-              <a:rPr lang="en-US" sz="3400" dirty="0"/>
+              <a:rPr lang="en-US" sz="3200" dirty="0"/>
               <a:t> </a:t>
             </a:r>
             <a:r>
-              <a:rPr lang="en-US" sz="3400" dirty="0" err="1"/>
+              <a:rPr lang="en-US" sz="3200" dirty="0" err="1"/>
               <a:t>чрез</a:t>
             </a:r>
             <a:r>
-              <a:rPr lang="en-US" sz="3400" dirty="0"/>
-              <a:t> for-</a:t>
-            </a:r>
-            <a:r>
-              <a:rPr lang="en-US" sz="3400" dirty="0" err="1"/>
-              <a:t>цикъл</a:t>
-            </a:r>
-            <a:r>
-              <a:rPr lang="en-US" sz="3400" dirty="0"/>
-              <a:t> </a:t>
-            </a:r>
-            <a:r>
-              <a:rPr lang="en-US" sz="3400" noProof="1"/>
+              <a:rPr lang="en-US" sz="3200" dirty="0"/>
+              <a:t> for-цикъл </a:t>
+            </a:r>
+            <a:r>
+              <a:rPr lang="en-US" sz="3200" noProof="1"/>
               <a:t>/ String.Join(…)</a:t>
             </a:r>
           </a:p>
@@ -19680,18 +19422,10 @@
               </a:buClr>
             </a:pPr>
             <a:r>
-              <a:rPr lang="en-GB" b="1" err="1">
-                <a:solidFill>
-                  <a:schemeClr val="bg1"/>
-                </a:solidFill>
-              </a:rPr>
+              <a:rPr lang="en-GB" dirty="0"/>
               <a:t>Масиви</a:t>
             </a:r>
-            <a:endParaRPr lang="bg-BG" err="1">
-              <a:solidFill>
-                <a:schemeClr val="bg1"/>
-              </a:solidFill>
-            </a:endParaRPr>
+            <a:endParaRPr lang="bg-BG" dirty="0"/>
           </a:p>
           <a:p>
             <a:pPr marL="513715" indent="-513715">
@@ -19703,23 +19437,19 @@
               </a:buClr>
             </a:pPr>
             <a:r>
-              <a:rPr lang="en-US" b="1" err="1">
+              <a:rPr lang="en-US" dirty="0"/>
+              <a:t>Четене</a:t>
+            </a:r>
+            <a:r>
+              <a:rPr lang="en-US" dirty="0">
                 <a:solidFill>
                   <a:schemeClr val="bg1"/>
                 </a:solidFill>
               </a:rPr>
-              <a:t>Четене</a:t>
-            </a:r>
-            <a:r>
-              <a:rPr lang="en-US" b="1">
-                <a:solidFill>
-                  <a:schemeClr val="bg1"/>
-                </a:solidFill>
-              </a:rPr>
               <a:t> </a:t>
             </a:r>
             <a:r>
-              <a:rPr lang="en-US" err="1">
+              <a:rPr lang="en-US" dirty="0">
                 <a:solidFill>
                   <a:srgbClr val="234465"/>
                 </a:solidFill>
@@ -19727,30 +19457,10 @@
               <a:t>на</a:t>
             </a:r>
             <a:r>
-              <a:rPr lang="en-US"/>
-              <a:t> </a:t>
-            </a:r>
-            <a:r>
-              <a:rPr lang="en-US" err="1"/>
-              <a:t>масиви</a:t>
-            </a:r>
-            <a:r>
-              <a:rPr lang="en-US"/>
-              <a:t> </a:t>
-            </a:r>
-            <a:r>
-              <a:rPr lang="en-US" err="1"/>
-              <a:t>от</a:t>
-            </a:r>
-            <a:r>
-              <a:rPr lang="en-US"/>
-              <a:t> </a:t>
-            </a:r>
-            <a:r>
-              <a:rPr lang="en-US" err="1"/>
-              <a:t>конзолата</a:t>
-            </a:r>
-            <a:endParaRPr lang="en-US" err="1">
+              <a:rPr lang="en-US" dirty="0"/>
+              <a:t> масиви от конзолата</a:t>
+            </a:r>
+            <a:endParaRPr lang="en-US" dirty="0">
               <a:cs typeface="Calibri"/>
             </a:endParaRPr>
           </a:p>
@@ -19764,39 +19474,20 @@
               </a:buClr>
             </a:pPr>
             <a:r>
-              <a:rPr lang="en-US" b="1" noProof="1">
-                <a:solidFill>
-                  <a:schemeClr val="bg1"/>
-                </a:solidFill>
-              </a:rPr>
+              <a:rPr lang="en-US" noProof="1"/>
               <a:t>Foreach</a:t>
             </a:r>
             <a:r>
-              <a:rPr lang="en-US" b="1">
-                <a:solidFill>
-                  <a:schemeClr val="bg1"/>
-                </a:solidFill>
-              </a:rPr>
-              <a:t> </a:t>
-            </a:r>
-            <a:r>
-              <a:rPr lang="en-US" b="1" err="1">
-                <a:solidFill>
-                  <a:schemeClr val="bg1"/>
-                </a:solidFill>
-              </a:rPr>
-              <a:t>цикъл</a:t>
-            </a:r>
-            <a:endParaRPr lang="en-GB" b="1" err="1">
-              <a:solidFill>
-                <a:schemeClr val="bg1"/>
-              </a:solidFill>
+              <a:rPr lang="en-US" dirty="0"/>
+              <a:t> цикъл</a:t>
+            </a:r>
+            <a:endParaRPr lang="en-GB" dirty="0">
               <a:cs typeface="Calibri"/>
             </a:endParaRPr>
           </a:p>
           <a:p>
             <a:pPr marL="513715" indent="-513715"/>
-            <a:endParaRPr lang="en-US">
+            <a:endParaRPr lang="en-US" dirty="0">
               <a:cs typeface="Calibri"/>
             </a:endParaRPr>
           </a:p>
@@ -19824,10 +19515,10 @@
           <a:lstStyle/>
           <a:p>
             <a:r>
-              <a:rPr lang="en-GB" sz="3950" err="1"/>
+              <a:rPr lang="en-GB" sz="3950" dirty="0" err="1"/>
               <a:t>Съдържание</a:t>
             </a:r>
-            <a:endParaRPr lang="bg-BG" err="1"/>
+            <a:endParaRPr lang="bg-BG" dirty="0"/>
           </a:p>
         </p:txBody>
       </p:sp>
@@ -20015,7 +19706,7 @@
                                         <p:tgtEl>
                                           <p:spTgt spid="3">
                                             <p:txEl>
-                                              <p:pRg st="1" end="1"/>
+                                              <p:pRg st="0" end="0"/>
                                             </p:txEl>
                                           </p:spTgt>
                                         </p:tgtEl>
@@ -20064,7 +19755,7 @@
                                         <p:tgtEl>
                                           <p:spTgt spid="3">
                                             <p:txEl>
-                                              <p:pRg st="0" end="0"/>
+                                              <p:pRg st="1" end="1"/>
                                             </p:txEl>
                                           </p:spTgt>
                                         </p:tgtEl>
@@ -20225,23 +19916,7 @@
                   <a:schemeClr val="bg1"/>
                 </a:solidFill>
               </a:rPr>
-              <a:t> </a:t>
-            </a:r>
-            <a:r>
-              <a:rPr lang="en-US" sz="3600" b="1" dirty="0" err="1">
-                <a:solidFill>
-                  <a:schemeClr val="bg1"/>
-                </a:solidFill>
-              </a:rPr>
-              <a:t>от</a:t>
-            </a:r>
-            <a:r>
-              <a:rPr lang="en-US" sz="3600" b="1" dirty="0">
-                <a:solidFill>
-                  <a:schemeClr val="bg1"/>
-                </a:solidFill>
-              </a:rPr>
-              <a:t> </a:t>
+              <a:t> от </a:t>
             </a:r>
             <a:r>
               <a:rPr lang="en-US" sz="3600" b="1" dirty="0" err="1">
@@ -20285,7 +19960,15 @@
             </a:r>
             <a:r>
               <a:rPr lang="en-US" sz="3600" dirty="0"/>
-              <a:t> с </a:t>
+              <a:t> </a:t>
+            </a:r>
+            <a:r>
+              <a:rPr lang="en-US" sz="3600" dirty="0" err="1"/>
+              <a:t>с</a:t>
+            </a:r>
+            <a:r>
+              <a:rPr lang="en-US" sz="3600" dirty="0"/>
+              <a:t> </a:t>
             </a:r>
             <a:r>
               <a:rPr lang="en-US" sz="3600" dirty="0" err="1"/>
@@ -20328,7 +20011,7 @@
               <a:t> </a:t>
             </a:r>
             <a:r>
-              <a:rPr lang="en-US" sz="3600" dirty="0">
+              <a:rPr lang="en-US" sz="3600" dirty="0" err="1">
                 <a:solidFill>
                   <a:srgbClr val="234465"/>
                 </a:solidFill>
@@ -20337,7 +20020,7 @@
             </a:r>
             <a:r>
               <a:rPr lang="en-US" sz="3600" dirty="0"/>
-              <a:t>  </a:t>
+              <a:t> </a:t>
             </a:r>
             <a:r>
               <a:rPr lang="en-US" sz="3600" b="1" dirty="0" err="1">
@@ -20345,7 +20028,23 @@
                   <a:schemeClr val="bg1"/>
                 </a:solidFill>
               </a:rPr>
-              <a:t>принтиратейте</a:t>
+              <a:t>принтира</a:t>
+            </a:r>
+            <a:r>
+              <a:rPr lang="bg-BG" sz="3600" b="1" dirty="0">
+                <a:solidFill>
+                  <a:schemeClr val="bg1"/>
+                </a:solidFill>
+              </a:rPr>
+              <a:t>й</a:t>
+            </a:r>
+            <a:r>
+              <a:rPr lang="en-US" sz="3600" b="1" dirty="0" err="1">
+                <a:solidFill>
+                  <a:schemeClr val="bg1"/>
+                </a:solidFill>
+              </a:rPr>
+              <a:t>те</a:t>
             </a:r>
             <a:r>
               <a:rPr lang="en-US" sz="3600" dirty="0"/>
@@ -20367,7 +20066,7 @@
                 <a:spcPct val="110000"/>
               </a:lnSpc>
             </a:pPr>
-            <a:endParaRPr lang="en-US">
+            <a:endParaRPr lang="en-US" dirty="0">
               <a:ea typeface="Calibri"/>
               <a:cs typeface="Calibri"/>
             </a:endParaRPr>
@@ -20387,15 +20086,7 @@
             </a:r>
             <a:r>
               <a:rPr lang="en-US" sz="3600" dirty="0"/>
-              <a:t> </a:t>
-            </a:r>
-            <a:r>
-              <a:rPr lang="en-US" sz="3600" dirty="0" err="1"/>
-              <a:t>на</a:t>
-            </a:r>
-            <a:r>
-              <a:rPr lang="en-US" sz="3600" dirty="0"/>
-              <a:t> </a:t>
+              <a:t> на </a:t>
             </a:r>
             <a:r>
               <a:rPr lang="en-US" sz="3600" dirty="0" err="1"/>
@@ -20403,15 +20094,7 @@
             </a:r>
             <a:r>
               <a:rPr lang="en-US" sz="3600" dirty="0"/>
-              <a:t> </a:t>
-            </a:r>
-            <a:r>
-              <a:rPr lang="en-US" sz="3600" dirty="0" err="1"/>
-              <a:t>на</a:t>
-            </a:r>
-            <a:r>
-              <a:rPr lang="en-US" sz="3600" dirty="0"/>
-              <a:t> </a:t>
+              <a:t> на </a:t>
             </a:r>
             <a:r>
               <a:rPr lang="en-US" sz="3600" dirty="0" err="1"/>
@@ -20444,41 +20127,34 @@
           <a:lstStyle/>
           <a:p>
             <a:r>
-              <a:rPr lang="en-US" sz="3950" err="1"/>
+              <a:rPr lang="en-US" sz="3950" dirty="0" err="1"/>
               <a:t>Задача</a:t>
             </a:r>
             <a:r>
-              <a:rPr lang="en-US" sz="3950"/>
+              <a:rPr lang="en-US" sz="3950" dirty="0"/>
               <a:t>: </a:t>
             </a:r>
             <a:r>
-              <a:rPr lang="en-US" sz="3950" err="1"/>
+              <a:rPr lang="en-US" sz="3950" dirty="0" err="1"/>
               <a:t>Обърнат</a:t>
             </a:r>
             <a:r>
-              <a:rPr lang="en-US" sz="3950"/>
+              <a:rPr lang="en-US" sz="3950" dirty="0"/>
               <a:t> </a:t>
             </a:r>
             <a:r>
-              <a:rPr lang="en-US" sz="3950" err="1"/>
+              <a:rPr lang="en-US" sz="3950" dirty="0" err="1"/>
               <a:t>масив</a:t>
             </a:r>
             <a:r>
-              <a:rPr lang="en-US" sz="3950"/>
-              <a:t> </a:t>
-            </a:r>
-            <a:r>
-              <a:rPr lang="en-US" sz="3950" err="1"/>
-              <a:t>от</a:t>
-            </a:r>
-            <a:r>
-              <a:rPr lang="en-US" sz="3950"/>
-              <a:t> </a:t>
-            </a:r>
-            <a:r>
-              <a:rPr lang="en-US" sz="3950" err="1"/>
+              <a:rPr lang="en-US" sz="3950" dirty="0"/>
+              <a:t> от </a:t>
+            </a:r>
+            <a:r>
+              <a:rPr lang="en-US" sz="3950" dirty="0" err="1"/>
               <a:t>низове</a:t>
             </a:r>
+            <a:endParaRPr lang="en-US" sz="3950" dirty="0"/>
           </a:p>
         </p:txBody>
       </p:sp>
@@ -21894,63 +21570,49 @@
           <a:lstStyle/>
           <a:p>
             <a:r>
-              <a:rPr lang="en-US" sz="3950" err="1"/>
+              <a:rPr lang="en-US" sz="3950" dirty="0" err="1"/>
               <a:t>Решение</a:t>
             </a:r>
             <a:r>
-              <a:rPr lang="en-US" sz="3950"/>
+              <a:rPr lang="en-US" sz="3950" dirty="0"/>
               <a:t>: </a:t>
             </a:r>
             <a:r>
-              <a:rPr lang="en-US" sz="3950" err="1">
+              <a:rPr lang="en-US" sz="3950" dirty="0" err="1">
                 <a:ea typeface="+mj-lt"/>
                 <a:cs typeface="+mj-lt"/>
               </a:rPr>
               <a:t>Обърнат</a:t>
             </a:r>
             <a:r>
-              <a:rPr lang="en-US" sz="3950">
+              <a:rPr lang="en-US" sz="3950" dirty="0">
                 <a:ea typeface="+mj-lt"/>
                 <a:cs typeface="+mj-lt"/>
               </a:rPr>
               <a:t> </a:t>
             </a:r>
             <a:r>
-              <a:rPr lang="en-US" sz="3950" err="1">
+              <a:rPr lang="en-US" sz="3950" dirty="0" err="1">
                 <a:ea typeface="+mj-lt"/>
                 <a:cs typeface="+mj-lt"/>
               </a:rPr>
               <a:t>масив</a:t>
             </a:r>
             <a:r>
-              <a:rPr lang="en-US" sz="3950">
+              <a:rPr lang="en-US" sz="3950" dirty="0">
                 <a:ea typeface="+mj-lt"/>
                 <a:cs typeface="+mj-lt"/>
               </a:rPr>
-              <a:t> </a:t>
-            </a:r>
-            <a:r>
-              <a:rPr lang="en-US" sz="3950" err="1">
+              <a:t> от </a:t>
+            </a:r>
+            <a:r>
+              <a:rPr lang="en-US" sz="3950" dirty="0" err="1">
                 <a:ea typeface="+mj-lt"/>
                 <a:cs typeface="+mj-lt"/>
               </a:rPr>
-              <a:t>от</a:t>
-            </a:r>
-            <a:r>
-              <a:rPr lang="en-US" sz="3950">
-                <a:ea typeface="+mj-lt"/>
-                <a:cs typeface="+mj-lt"/>
-              </a:rPr>
-              <a:t> </a:t>
-            </a:r>
-            <a:r>
-              <a:rPr lang="en-US" sz="3950" err="1">
-                <a:ea typeface="+mj-lt"/>
-                <a:cs typeface="+mj-lt"/>
-              </a:rPr>
               <a:t>низове</a:t>
             </a:r>
-            <a:endParaRPr lang="en-US" sz="3950" b="0" err="1">
+            <a:endParaRPr lang="en-US" sz="3950" b="0" dirty="0">
               <a:ea typeface="+mj-lt"/>
               <a:cs typeface="+mj-lt"/>
             </a:endParaRPr>
@@ -22105,44 +21767,58 @@
           <a:p>
             <a:pPr algn="ctr"/>
             <a:r>
-              <a:rPr lang="en-US" sz="2000" err="1">
+              <a:rPr lang="en-US" sz="2000" dirty="0" err="1">
                 <a:ea typeface="+mn-lt"/>
                 <a:cs typeface="+mn-lt"/>
               </a:rPr>
               <a:t>Тествайте</a:t>
             </a:r>
             <a:r>
-              <a:rPr lang="en-US" sz="2000">
+              <a:rPr lang="en-US" sz="2000" dirty="0">
                 <a:ea typeface="+mn-lt"/>
                 <a:cs typeface="+mn-lt"/>
               </a:rPr>
               <a:t> </a:t>
             </a:r>
             <a:r>
-              <a:rPr lang="en-US" sz="2000" err="1">
+              <a:rPr lang="en-US" sz="2000" dirty="0" err="1">
                 <a:ea typeface="+mn-lt"/>
                 <a:cs typeface="+mn-lt"/>
               </a:rPr>
               <a:t>решението</a:t>
             </a:r>
             <a:r>
-              <a:rPr lang="en-US" sz="2000">
+              <a:rPr lang="en-US" sz="2000" dirty="0">
                 <a:ea typeface="+mn-lt"/>
                 <a:cs typeface="+mn-lt"/>
               </a:rPr>
-              <a:t> в Judge</a:t>
-            </a:r>
-            <a:r>
-              <a:rPr lang="en-US" sz="2000"/>
+              <a:t> </a:t>
+            </a:r>
+            <a:r>
+              <a:rPr lang="en-US" sz="2000" dirty="0" err="1">
+                <a:ea typeface="+mn-lt"/>
+                <a:cs typeface="+mn-lt"/>
+              </a:rPr>
+              <a:t>в</a:t>
+            </a:r>
+            <a:r>
+              <a:rPr lang="en-US" sz="2000" dirty="0">
+                <a:ea typeface="+mn-lt"/>
+                <a:cs typeface="+mn-lt"/>
+              </a:rPr>
+              <a:t> Judge</a:t>
+            </a:r>
+            <a:r>
+              <a:rPr lang="en-US" sz="2000" dirty="0"/>
               <a:t>: </a:t>
             </a:r>
             <a:r>
-              <a:rPr lang="en-US" sz="2000">
+              <a:rPr lang="en-US" sz="2000" dirty="0">
                 <a:hlinkClick r:id="rId2"/>
               </a:rPr>
               <a:t>https://judge.softuni.org/Contests/Practice/Index/3171#3</a:t>
             </a:r>
-            <a:endParaRPr lang="en-US" sz="2000">
+            <a:endParaRPr lang="en-US" sz="2000" dirty="0">
               <a:ea typeface="Calibri"/>
               <a:cs typeface="Calibri"/>
             </a:endParaRPr>
@@ -22676,36 +22352,36 @@
           <a:lstStyle/>
           <a:p>
             <a:r>
-              <a:rPr lang="en-GB" sz="5350" dirty="0" err="1">
+              <a:rPr lang="en-GB" sz="5350" err="1">
                 <a:cs typeface="Arial"/>
               </a:rPr>
               <a:t>Обхождане</a:t>
             </a:r>
             <a:r>
-              <a:rPr lang="en-GB" sz="5350" dirty="0">
+              <a:rPr lang="en-GB" sz="5350">
                 <a:cs typeface="Arial"/>
               </a:rPr>
               <a:t> </a:t>
             </a:r>
             <a:r>
-              <a:rPr lang="en-GB" sz="5350" dirty="0" err="1">
+              <a:rPr lang="en-GB" sz="5350" err="1">
                 <a:cs typeface="Arial"/>
               </a:rPr>
               <a:t>на</a:t>
             </a:r>
             <a:r>
-              <a:rPr lang="en-GB" sz="5350" dirty="0">
+              <a:rPr lang="en-GB" sz="5350">
                 <a:cs typeface="Arial"/>
               </a:rPr>
               <a:t> </a:t>
             </a:r>
             <a:r>
-              <a:rPr lang="en-GB" sz="5350" dirty="0" err="1">
+              <a:rPr lang="en-GB" sz="5350" err="1">
                 <a:cs typeface="Arial"/>
               </a:rPr>
               <a:t>колекции</a:t>
             </a:r>
-            <a:endParaRPr lang="en-GB" sz="5350" dirty="0" err="1">
+            <a:endParaRPr lang="en-GB" sz="5350" err="1">
               <a:ea typeface="Calibri"/>
             </a:endParaRPr>
           </a:p>
@@ -22817,35 +22493,35 @@
           <a:p>
             <a:pPr marL="360045" indent="-360045"/>
             <a:r>
-              <a:rPr lang="en-GB" sz="3600" dirty="0" err="1">
+              <a:rPr lang="en-GB" sz="3600" err="1">
                 <a:ea typeface="+mn-lt"/>
                 <a:cs typeface="+mn-lt"/>
               </a:rPr>
               <a:t>Преминава</a:t>
             </a:r>
             <a:r>
-              <a:rPr lang="en-GB" sz="3600" dirty="0">
+              <a:rPr lang="en-GB" sz="3600">
                 <a:ea typeface="+mn-lt"/>
                 <a:cs typeface="+mn-lt"/>
               </a:rPr>
               <a:t> </a:t>
             </a:r>
             <a:r>
-              <a:rPr lang="en-GB" sz="3600" dirty="0" err="1">
+              <a:rPr lang="en-GB" sz="3600" err="1">
                 <a:ea typeface="+mn-lt"/>
                 <a:cs typeface="+mn-lt"/>
               </a:rPr>
               <a:t>през</a:t>
             </a:r>
             <a:r>
-              <a:rPr lang="en-GB" sz="3600" dirty="0">
+              <a:rPr lang="en-GB" sz="3600">
                 <a:ea typeface="+mn-lt"/>
                 <a:cs typeface="+mn-lt"/>
               </a:rPr>
               <a:t> </a:t>
             </a:r>
             <a:r>
-              <a:rPr lang="en-GB" sz="3600" b="1" dirty="0" err="1">
+              <a:rPr lang="en-GB" sz="3600" b="1" err="1">
                 <a:solidFill>
                   <a:schemeClr val="bg1"/>
                 </a:solidFill>
@@ -22855,7 +22531,7 @@
               <a:t>всички</a:t>
             </a:r>
             <a:r>
-              <a:rPr lang="en-GB" sz="3600" b="1" dirty="0">
+              <a:rPr lang="en-GB" sz="3600" b="1">
                 <a:solidFill>
                   <a:schemeClr val="bg1"/>
                 </a:solidFill>
@@ -22865,7 +22541,7 @@
               <a:t> </a:t>
             </a:r>
             <a:r>
-              <a:rPr lang="en-GB" sz="3600" b="1" dirty="0" err="1">
+              <a:rPr lang="en-GB" sz="3600" b="1" err="1">
                 <a:solidFill>
                   <a:schemeClr val="bg1"/>
                 </a:solidFill>
@@ -22875,20 +22551,20 @@
               <a:t>елементи</a:t>
             </a:r>
             <a:r>
-              <a:rPr lang="en-GB" sz="3600" dirty="0">
+              <a:rPr lang="en-GB" sz="3600">
                 <a:ea typeface="+mn-lt"/>
                 <a:cs typeface="+mn-lt"/>
               </a:rPr>
               <a:t> в </a:t>
             </a:r>
             <a:r>
-              <a:rPr lang="en-GB" sz="3600" dirty="0" err="1">
+              <a:rPr lang="en-GB" sz="3600" err="1">
                 <a:ea typeface="+mn-lt"/>
                 <a:cs typeface="+mn-lt"/>
               </a:rPr>
               <a:t>колекцията</a:t>
             </a:r>
-            <a:endParaRPr lang="bg-BG" dirty="0" err="1">
+            <a:endParaRPr lang="bg-BG" err="1">
               <a:cs typeface="Calibri"/>
             </a:endParaRPr>
           </a:p>
@@ -22899,7 +22575,7 @@
               </a:buClr>
             </a:pPr>
             <a:r>
-              <a:rPr lang="en-GB" sz="3600" b="1" dirty="0" err="1">
+              <a:rPr lang="en-GB" sz="3600" b="1" err="1">
                 <a:solidFill>
                   <a:schemeClr val="bg1"/>
                 </a:solidFill>
@@ -22907,7 +22583,7 @@
               <a:t>Няма</a:t>
             </a:r>
             <a:r>
-              <a:rPr lang="en-GB" sz="3600" b="1" dirty="0">
+              <a:rPr lang="en-GB" sz="3600" b="1">
                 <a:solidFill>
                   <a:schemeClr val="bg1"/>
                 </a:solidFill>
@@ -22915,34 +22591,34 @@
               <a:t> </a:t>
             </a:r>
             <a:r>
-              <a:rPr lang="en-GB" sz="3600" dirty="0" err="1"/>
+              <a:rPr lang="en-GB" sz="3600" err="1"/>
               <a:t>достъп</a:t>
             </a:r>
             <a:r>
-              <a:rPr lang="en-GB" sz="3600" dirty="0"/>
+              <a:rPr lang="en-GB" sz="3600"/>
               <a:t> </a:t>
             </a:r>
             <a:r>
-              <a:rPr lang="en-GB" sz="3600" dirty="0" err="1"/>
+              <a:rPr lang="en-GB" sz="3600" err="1"/>
               <a:t>до</a:t>
             </a:r>
             <a:r>
-              <a:rPr lang="en-GB" sz="3600" dirty="0"/>
+              <a:rPr lang="en-GB" sz="3600"/>
               <a:t> </a:t>
             </a:r>
             <a:r>
-              <a:rPr lang="en-GB" sz="3600" dirty="0" err="1"/>
+              <a:rPr lang="en-GB" sz="3600" err="1"/>
               <a:t>сегашния</a:t>
             </a:r>
             <a:r>
-              <a:rPr lang="en-GB" sz="3600" dirty="0"/>
+              <a:rPr lang="en-GB" sz="3600"/>
               <a:t> </a:t>
             </a:r>
             <a:r>
-              <a:rPr lang="en-GB" sz="3600" dirty="0" err="1"/>
+              <a:rPr lang="en-GB" sz="3600" err="1"/>
               <a:t>индекс</a:t>
             </a:r>
-            <a:endParaRPr lang="en-GB" sz="3600" dirty="0" err="1">
+            <a:endParaRPr lang="en-GB" sz="3600" err="1">
               <a:ea typeface="Calibri"/>
               <a:cs typeface="Calibri"/>
             </a:endParaRPr>
@@ -22954,14 +22630,14 @@
               </a:buClr>
             </a:pPr>
             <a:r>
-              <a:rPr lang="en-GB" sz="3600" b="1" dirty="0">
+              <a:rPr lang="en-GB" sz="3600" b="1">
                 <a:solidFill>
                   <a:schemeClr val="bg1"/>
                 </a:solidFill>
               </a:rPr>
               <a:t>Read-only</a:t>
             </a:r>
-            <a:endParaRPr lang="en-GB" sz="3600" b="1" dirty="0">
+            <a:endParaRPr lang="en-GB" sz="3600" b="1">
               <a:solidFill>
                 <a:schemeClr val="bg1"/>
               </a:solidFill>
@@ -22993,14 +22669,14 @@
           <a:lstStyle/>
           <a:p>
             <a:r>
-              <a:rPr lang="en-GB" sz="3950"/>
+              <a:rPr lang="en-GB" sz="3950" dirty="0"/>
               <a:t>Foreach </a:t>
             </a:r>
             <a:r>
-              <a:rPr lang="en-GB" sz="3950" err="1"/>
+              <a:rPr lang="en-GB" sz="3950" dirty="0" err="1"/>
               <a:t>цикъл</a:t>
             </a:r>
-            <a:endParaRPr lang="en-GB" err="1"/>
+            <a:endParaRPr lang="en-GB" dirty="0"/>
           </a:p>
         </p:txBody>
       </p:sp>
@@ -24011,35 +23687,27 @@
           <a:lstStyle/>
           <a:p>
             <a:r>
-              <a:rPr lang="en-US" sz="3950" err="1"/>
+              <a:rPr lang="en-US" sz="3950" dirty="0" err="1"/>
               <a:t>Принтиране</a:t>
             </a:r>
             <a:r>
-              <a:rPr lang="en-US" sz="3950"/>
+              <a:rPr lang="en-US" sz="3950" dirty="0"/>
+              <a:t> на </a:t>
+            </a:r>
+            <a:r>
+              <a:rPr lang="en-US" sz="3950" dirty="0" err="1"/>
+              <a:t>масив</a:t>
+            </a:r>
+            <a:r>
+              <a:rPr lang="en-US" sz="3950" dirty="0"/>
               <a:t> </a:t>
             </a:r>
             <a:r>
-              <a:rPr lang="en-US" sz="3950" err="1"/>
-              <a:t>на</a:t>
-            </a:r>
-            <a:r>
-              <a:rPr lang="en-US" sz="3950"/>
-              <a:t> </a:t>
-            </a:r>
-            <a:r>
-              <a:rPr lang="en-US" sz="3950" err="1"/>
-              <a:t>масив</a:t>
-            </a:r>
-            <a:r>
-              <a:rPr lang="en-US" sz="3950"/>
-              <a:t> </a:t>
-            </a:r>
-            <a:r>
-              <a:rPr lang="en-US" sz="3950" err="1"/>
+              <a:rPr lang="en-US" sz="3950" dirty="0" err="1"/>
               <a:t>чрез</a:t>
             </a:r>
             <a:r>
-              <a:rPr lang="en-US" sz="3950"/>
+              <a:rPr lang="en-US" sz="3950" dirty="0"/>
               <a:t> Foreach</a:t>
             </a:r>
           </a:p>
@@ -25269,24 +24937,14 @@
               <a:t> </a:t>
             </a:r>
             <a:r>
-              <a:rPr lang="en-US" sz="3800" dirty="0" err="1">
+              <a:rPr lang="en-US" sz="3800" dirty="0">
                 <a:solidFill>
                   <a:schemeClr val="bg2"/>
                 </a:solidFill>
                 <a:ea typeface="Calibri"/>
                 <a:cs typeface="Calibri"/>
               </a:rPr>
-              <a:t>от</a:t>
-            </a:r>
-            <a:r>
-              <a:rPr lang="en-US" sz="3800" dirty="0">
-                <a:solidFill>
-                  <a:schemeClr val="bg2"/>
-                </a:solidFill>
-                <a:ea typeface="Calibri"/>
-                <a:cs typeface="Calibri"/>
-              </a:rPr>
-              <a:t> </a:t>
+              <a:t>от </a:t>
             </a:r>
             <a:r>
               <a:rPr lang="en-US" sz="3800" dirty="0" err="1">
@@ -25361,23 +25019,7 @@
                   <a:schemeClr val="bg2"/>
                 </a:solidFill>
               </a:rPr>
-              <a:t> </a:t>
-            </a:r>
-            <a:r>
-              <a:rPr lang="en-US" sz="3600" dirty="0" err="1">
-                <a:solidFill>
-                  <a:schemeClr val="bg2"/>
-                </a:solidFill>
-              </a:rPr>
-              <a:t>от</a:t>
-            </a:r>
-            <a:r>
-              <a:rPr lang="en-US" sz="3600" dirty="0">
-                <a:solidFill>
-                  <a:schemeClr val="bg2"/>
-                </a:solidFill>
-              </a:rPr>
-              <a:t> </a:t>
+              <a:t> от </a:t>
             </a:r>
             <a:r>
               <a:rPr lang="en-US" sz="3600" b="1" dirty="0">
@@ -25416,7 +25058,7 @@
               <a:t> </a:t>
             </a:r>
             <a:r>
-              <a:rPr lang="en-US" sz="3600" b="1" dirty="0">
+              <a:rPr lang="en-US" sz="3600" b="1" dirty="0" err="1">
                 <a:solidFill>
                   <a:schemeClr val="bg1">
                     <a:lumMod val="60000"/>
@@ -25426,7 +25068,33 @@
                 <a:ea typeface="+mn-lt"/>
                 <a:cs typeface="+mn-lt"/>
               </a:rPr>
-              <a:t>дължина-1</a:t>
+              <a:t>дължина</a:t>
+            </a:r>
+            <a:r>
+              <a:rPr lang="bg-BG" sz="3600" b="1" dirty="0">
+                <a:solidFill>
+                  <a:schemeClr val="bg1">
+                    <a:lumMod val="60000"/>
+                    <a:lumOff val="40000"/>
+                  </a:schemeClr>
+                </a:solidFill>
+                <a:ea typeface="+mn-lt"/>
+                <a:cs typeface="+mn-lt"/>
+              </a:rPr>
+              <a:t>та</a:t>
+            </a:r>
+            <a:r>
+              <a:rPr lang="en-US" sz="3600" b="1" dirty="0">
+                <a:solidFill>
+                  <a:schemeClr val="bg1">
+                    <a:lumMod val="60000"/>
+                    <a:lumOff val="40000"/>
+                  </a:schemeClr>
+                </a:solidFill>
+                <a:ea typeface="+mn-lt"/>
+                <a:cs typeface="+mn-lt"/>
+              </a:rPr>
+              <a:t>-1</a:t>
             </a:r>
           </a:p>
           <a:p>
@@ -25452,23 +25120,7 @@
                   <a:schemeClr val="bg2"/>
                 </a:solidFill>
               </a:rPr>
-              <a:t> </a:t>
-            </a:r>
-            <a:r>
-              <a:rPr lang="en-US" sz="3800" dirty="0" err="1">
-                <a:solidFill>
-                  <a:schemeClr val="bg2"/>
-                </a:solidFill>
-              </a:rPr>
-              <a:t>на</a:t>
-            </a:r>
-            <a:r>
-              <a:rPr lang="en-US" sz="3800" dirty="0">
-                <a:solidFill>
-                  <a:schemeClr val="bg2"/>
-                </a:solidFill>
-              </a:rPr>
-              <a:t> </a:t>
+              <a:t> на </a:t>
             </a:r>
             <a:r>
               <a:rPr lang="en-US" sz="3800" dirty="0" err="1">
@@ -25494,8 +25146,106 @@
                     <a:lumOff val="40000"/>
                   </a:schemeClr>
                 </a:solidFill>
+                <a:latin typeface="Consolas" panose="020B0609020204030204" pitchFamily="49" charset="0"/>
+                <a:cs typeface="Consolas" panose="020B0609020204030204" pitchFamily="49" charset="0"/>
               </a:rPr>
               <a:t>new[]</a:t>
+            </a:r>
+            <a:endParaRPr lang="en-US" sz="3800" b="1" dirty="0">
+              <a:solidFill>
+                <a:schemeClr val="bg1">
+                  <a:lumMod val="60000"/>
+                  <a:lumOff val="40000"/>
+                </a:schemeClr>
+              </a:solidFill>
+              <a:latin typeface="Consolas" panose="020B0609020204030204" pitchFamily="49" charset="0"/>
+              <a:ea typeface="Calibri"/>
+              <a:cs typeface="Consolas" panose="020B0609020204030204" pitchFamily="49" charset="0"/>
+            </a:endParaRPr>
+          </a:p>
+          <a:p>
+            <a:pPr marL="456565" indent="-456565">
+              <a:lnSpc>
+                <a:spcPct val="100000"/>
+              </a:lnSpc>
+              <a:spcBef>
+                <a:spcPts val="1200"/>
+              </a:spcBef>
+            </a:pPr>
+            <a:r>
+              <a:rPr lang="en-US" sz="3800" dirty="0" err="1">
+                <a:solidFill>
+                  <a:schemeClr val="bg2"/>
+                </a:solidFill>
+              </a:rPr>
+              <a:t>Достъп</a:t>
+            </a:r>
+            <a:r>
+              <a:rPr lang="en-US" sz="3800" dirty="0">
+                <a:solidFill>
+                  <a:schemeClr val="bg2"/>
+                </a:solidFill>
+              </a:rPr>
+              <a:t> </a:t>
+            </a:r>
+            <a:r>
+              <a:rPr lang="en-US" sz="3800" dirty="0" err="1">
+                <a:solidFill>
+                  <a:schemeClr val="bg2"/>
+                </a:solidFill>
+              </a:rPr>
+              <a:t>до</a:t>
+            </a:r>
+            <a:r>
+              <a:rPr lang="en-US" sz="3800" dirty="0">
+                <a:solidFill>
+                  <a:schemeClr val="bg2"/>
+                </a:solidFill>
+              </a:rPr>
+              <a:t> </a:t>
+            </a:r>
+            <a:r>
+              <a:rPr lang="en-US" sz="3800" dirty="0" err="1">
+                <a:solidFill>
+                  <a:schemeClr val="bg2"/>
+                </a:solidFill>
+              </a:rPr>
+              <a:t>елементите</a:t>
+            </a:r>
+            <a:r>
+              <a:rPr lang="en-US" sz="3800" dirty="0">
+                <a:solidFill>
+                  <a:schemeClr val="bg2"/>
+                </a:solidFill>
+              </a:rPr>
+              <a:t> </a:t>
+            </a:r>
+            <a:r>
+              <a:rPr lang="en-US" sz="3800" dirty="0" err="1">
+                <a:solidFill>
+                  <a:schemeClr val="bg2"/>
+                </a:solidFill>
+              </a:rPr>
+              <a:t>чрез</a:t>
+            </a:r>
+            <a:r>
+              <a:rPr lang="en-US" sz="3800" dirty="0">
+                <a:solidFill>
+                  <a:schemeClr val="bg2"/>
+                </a:solidFill>
+              </a:rPr>
+              <a:t> </a:t>
+            </a:r>
+            <a:r>
+              <a:rPr lang="en-US" sz="3800" b="1" dirty="0" err="1">
+                <a:solidFill>
+                  <a:schemeClr val="bg1">
+                    <a:lumMod val="60000"/>
+                    <a:lumOff val="40000"/>
+                  </a:schemeClr>
+                </a:solidFill>
+              </a:rPr>
+              <a:t>индекс</a:t>
             </a:r>
             <a:endParaRPr lang="en-US" sz="3800" b="1" dirty="0">
               <a:solidFill>
@@ -25523,7 +25273,23 @@
                   <a:schemeClr val="bg2"/>
                 </a:solidFill>
               </a:rPr>
-              <a:t>Достъп</a:t>
+              <a:t>Отп</a:t>
+            </a:r>
+            <a:r>
+              <a:rPr lang="bg-BG" sz="3800" dirty="0">
+                <a:solidFill>
+                  <a:schemeClr val="bg2"/>
+                </a:solidFill>
+              </a:rPr>
+              <a:t>е</a:t>
+            </a:r>
+            <a:r>
+              <a:rPr lang="en-US" sz="3800" dirty="0" err="1">
+                <a:solidFill>
+                  <a:schemeClr val="bg2"/>
+                </a:solidFill>
+              </a:rPr>
+              <a:t>чатване</a:t>
             </a:r>
             <a:r>
               <a:rPr lang="en-US" sz="3800" dirty="0">
@@ -25531,118 +25297,7 @@
                   <a:schemeClr val="bg2"/>
                 </a:solidFill>
               </a:rPr>
-              <a:t> </a:t>
-            </a:r>
-            <a:r>
-              <a:rPr lang="en-US" sz="3800" dirty="0" err="1">
-                <a:solidFill>
-                  <a:schemeClr val="bg2"/>
-                </a:solidFill>
-              </a:rPr>
-              <a:t>до</a:t>
-            </a:r>
-            <a:r>
-              <a:rPr lang="en-US" sz="3800" dirty="0">
-                <a:solidFill>
-                  <a:schemeClr val="bg2"/>
-                </a:solidFill>
-              </a:rPr>
-              <a:t> </a:t>
-            </a:r>
-            <a:r>
-              <a:rPr lang="en-US" sz="3800" dirty="0" err="1">
-                <a:solidFill>
-                  <a:schemeClr val="bg2"/>
-                </a:solidFill>
-              </a:rPr>
-              <a:t>елементите</a:t>
-            </a:r>
-            <a:r>
-              <a:rPr lang="en-US" sz="3800" dirty="0">
-                <a:solidFill>
-                  <a:schemeClr val="bg2"/>
-                </a:solidFill>
-              </a:rPr>
-              <a:t> </a:t>
-            </a:r>
-            <a:r>
-              <a:rPr lang="en-US" sz="3800" dirty="0" err="1">
-                <a:solidFill>
-                  <a:schemeClr val="bg2"/>
-                </a:solidFill>
-              </a:rPr>
-              <a:t>чрез</a:t>
-            </a:r>
-            <a:r>
-              <a:rPr lang="en-US" sz="3800" dirty="0">
-                <a:solidFill>
-                  <a:schemeClr val="bg2"/>
-                </a:solidFill>
-              </a:rPr>
-              <a:t> </a:t>
-            </a:r>
-            <a:r>
-              <a:rPr lang="en-US" sz="3800" b="1" dirty="0" err="1">
-                <a:solidFill>
-                  <a:schemeClr val="bg1">
-                    <a:lumMod val="60000"/>
-                    <a:lumOff val="40000"/>
-                  </a:schemeClr>
-                </a:solidFill>
-              </a:rPr>
-              <a:t>индекс</a:t>
-            </a:r>
-            <a:endParaRPr lang="en-US" sz="3800" b="1" dirty="0" err="1">
-              <a:solidFill>
-                <a:schemeClr val="bg1">
-                  <a:lumMod val="60000"/>
-                  <a:lumOff val="40000"/>
-                </a:schemeClr>
-              </a:solidFill>
-              <a:ea typeface="Calibri"/>
-              <a:cs typeface="Calibri"/>
-            </a:endParaRPr>
-          </a:p>
-          <a:p>
-            <a:pPr marL="456565" indent="-456565">
-              <a:lnSpc>
-                <a:spcPct val="100000"/>
-              </a:lnSpc>
-              <a:spcBef>
-                <a:spcPts val="1200"/>
-              </a:spcBef>
-            </a:pPr>
-            <a:r>
-              <a:rPr lang="en-US" sz="3800" dirty="0" err="1">
-                <a:solidFill>
-                  <a:schemeClr val="bg2"/>
-                </a:solidFill>
-              </a:rPr>
-              <a:t>Отпичатване</a:t>
-            </a:r>
-            <a:r>
-              <a:rPr lang="en-US" sz="3800" dirty="0">
-                <a:solidFill>
-                  <a:schemeClr val="bg2"/>
-                </a:solidFill>
-              </a:rPr>
-              <a:t> </a:t>
-            </a:r>
-            <a:r>
-              <a:rPr lang="en-US" sz="3800" dirty="0" err="1">
-                <a:solidFill>
-                  <a:schemeClr val="bg2"/>
-                </a:solidFill>
-              </a:rPr>
-              <a:t>на</a:t>
-            </a:r>
-            <a:r>
-              <a:rPr lang="en-US" sz="3800" dirty="0">
-                <a:solidFill>
-                  <a:schemeClr val="bg2"/>
-                </a:solidFill>
-              </a:rPr>
-              <a:t> </a:t>
+              <a:t> на </a:t>
             </a:r>
             <a:r>
               <a:rPr lang="en-US" sz="3800" dirty="0" err="1">
@@ -26096,34 +25751,34 @@
               </a:lnSpc>
             </a:pPr>
             <a:r>
-              <a:rPr lang="bg-BG"/>
+              <a:rPr lang="bg-BG" dirty="0"/>
               <a:t>Този курс</a:t>
             </a:r>
             <a:r>
-              <a:rPr lang="en-US"/>
+              <a:rPr lang="en-US" dirty="0"/>
               <a:t> (</a:t>
             </a:r>
             <a:r>
-              <a:rPr lang="bg-BG"/>
+              <a:rPr lang="bg-BG" dirty="0"/>
               <a:t>презентации, примери, демонстрационен код, упражнения, домашни, видео и други активи</a:t>
             </a:r>
             <a:r>
-              <a:rPr lang="en-US"/>
+              <a:rPr lang="en-US" dirty="0"/>
               <a:t>) </a:t>
             </a:r>
             <a:r>
-              <a:rPr lang="bg-BG"/>
+              <a:rPr lang="bg-BG" dirty="0"/>
               <a:t>представлява</a:t>
             </a:r>
             <a:r>
-              <a:rPr lang="en-US"/>
+              <a:rPr lang="en-US" dirty="0"/>
               <a:t> </a:t>
             </a:r>
             <a:r>
-              <a:rPr lang="bg-BG" b="1"/>
+              <a:rPr lang="bg-BG" b="1" dirty="0"/>
               <a:t>защитено авторско съдържание</a:t>
             </a:r>
-            <a:endParaRPr lang="en-US"/>
+            <a:endParaRPr lang="en-US" dirty="0"/>
           </a:p>
           <a:p>
             <a:pPr>
@@ -26132,15 +25787,15 @@
               </a:lnSpc>
             </a:pPr>
             <a:r>
-              <a:rPr lang="bg-BG"/>
+              <a:rPr lang="bg-BG" dirty="0"/>
               <a:t>Нерегламентирано копиране</a:t>
             </a:r>
             <a:r>
-              <a:rPr lang="en-US"/>
+              <a:rPr lang="en-US" dirty="0"/>
               <a:t>,</a:t>
             </a:r>
             <a:r>
-              <a:rPr lang="bg-BG"/>
+              <a:rPr lang="bg-BG" dirty="0"/>
               <a:t> разпространение или използване е незаконно</a:t>
             </a:r>
           </a:p>
@@ -26151,24 +25806,24 @@
               </a:lnSpc>
             </a:pPr>
             <a:r>
-              <a:rPr lang="en-US"/>
+              <a:rPr lang="en-US" dirty="0"/>
               <a:t>© </a:t>
             </a:r>
             <a:r>
-              <a:rPr lang="bg-BG"/>
+              <a:rPr lang="bg-BG" dirty="0"/>
               <a:t>СофтУни</a:t>
             </a:r>
             <a:r>
-              <a:rPr lang="en-US"/>
+              <a:rPr lang="en-US" dirty="0"/>
               <a:t> – </a:t>
             </a:r>
             <a:r>
-              <a:rPr lang="en-US">
+              <a:rPr lang="en-US" dirty="0">
                 <a:hlinkClick r:id="rId3"/>
               </a:rPr>
               <a:t>https://softuni.org</a:t>
             </a:r>
-            <a:endParaRPr lang="en-US"/>
+            <a:endParaRPr lang="en-US" dirty="0"/>
           </a:p>
           <a:p>
             <a:pPr>
@@ -26177,24 +25832,24 @@
               </a:lnSpc>
             </a:pPr>
             <a:r>
-              <a:rPr lang="en-US"/>
+              <a:rPr lang="en-US" dirty="0"/>
               <a:t>© </a:t>
             </a:r>
             <a:r>
-              <a:rPr lang="bg-BG"/>
+              <a:rPr lang="bg-BG" dirty="0"/>
               <a:t>Софтуерен университет</a:t>
             </a:r>
             <a:r>
-              <a:rPr lang="en-US"/>
+              <a:rPr lang="en-US" dirty="0"/>
               <a:t> – </a:t>
             </a:r>
             <a:r>
-              <a:rPr lang="en-US">
+              <a:rPr lang="en-US" dirty="0">
                 <a:hlinkClick r:id="rId4"/>
               </a:rPr>
               <a:t>https://softuni.bg</a:t>
             </a:r>
-            <a:endParaRPr lang="bg-BG"/>
+            <a:endParaRPr lang="bg-BG" dirty="0"/>
           </a:p>
           <a:p>
             <a:pPr>
@@ -26202,7 +25857,7 @@
                 <a:spcPct val="120000"/>
               </a:lnSpc>
             </a:pPr>
-            <a:endParaRPr lang="bg-BG"/>
+            <a:endParaRPr lang="bg-BG" dirty="0"/>
           </a:p>
         </p:txBody>
       </p:sp>
@@ -26525,8 +26180,12 @@
               </a:lnSpc>
             </a:pPr>
             <a:r>
+              <a:rPr lang="en-US" sz="3350" dirty="0" err="1"/>
+              <a:t>В</a:t>
+            </a:r>
+            <a:r>
               <a:rPr lang="en-US" sz="3350" dirty="0"/>
-              <a:t>В </a:t>
+              <a:t> </a:t>
             </a:r>
             <a:r>
               <a:rPr lang="en-US" sz="3350" dirty="0" err="1"/>
@@ -26553,14 +26212,24 @@
               <a:t> </a:t>
             </a:r>
             <a:r>
-              <a:rPr lang="en-US" sz="3350" dirty="0">
+              <a:rPr lang="en-US" sz="3350" dirty="0" err="1">
                 <a:solidFill>
                   <a:schemeClr val="tx2">
                     <a:lumMod val="75000"/>
                   </a:schemeClr>
                 </a:solidFill>
               </a:rPr>
-              <a:t>е </a:t>
+              <a:t>е</a:t>
+            </a:r>
+            <a:r>
+              <a:rPr lang="en-US" sz="3350" dirty="0">
+                <a:solidFill>
+                  <a:schemeClr val="tx2">
+                    <a:lumMod val="75000"/>
+                  </a:schemeClr>
+                </a:solidFill>
+              </a:rPr>
+              <a:t> </a:t>
             </a:r>
             <a:r>
               <a:rPr lang="en-US" sz="3350" b="1" dirty="0" err="1">
@@ -26576,7 +26245,7 @@
                   <a:schemeClr val="bg1"/>
                 </a:solidFill>
               </a:rPr>
-              <a:t> </a:t>
+              <a:t> от </a:t>
             </a:r>
             <a:r>
               <a:rPr lang="en-US" sz="3350" b="1" dirty="0" err="1">
@@ -26584,25 +26253,9 @@
                   <a:schemeClr val="bg1"/>
                 </a:solidFill>
               </a:rPr>
-              <a:t>от</a:t>
-            </a:r>
-            <a:r>
-              <a:rPr lang="en-US" sz="3350" b="1" dirty="0">
-                <a:solidFill>
-                  <a:schemeClr val="bg1"/>
-                </a:solidFill>
-              </a:rPr>
-              <a:t> </a:t>
-            </a:r>
-            <a:r>
-              <a:rPr lang="en-US" sz="3350" b="1" dirty="0" err="1">
-                <a:solidFill>
-                  <a:schemeClr val="bg1"/>
-                </a:solidFill>
-              </a:rPr>
               <a:t>елементи</a:t>
             </a:r>
-            <a:endParaRPr lang="en-US" sz="3350" b="1" dirty="0" err="1">
+            <a:endParaRPr lang="en-US" sz="3350" b="1" dirty="0">
               <a:solidFill>
                 <a:schemeClr val="bg1"/>
               </a:solidFill>
@@ -26615,7 +26268,7 @@
                 <a:spcPct val="100000"/>
               </a:lnSpc>
             </a:pPr>
-            <a:endParaRPr lang="en-GB" b="1">
+            <a:endParaRPr lang="en-GB" b="1" dirty="0">
               <a:solidFill>
                 <a:schemeClr val="bg1"/>
               </a:solidFill>
@@ -26629,7 +26282,7 @@
               </a:lnSpc>
               <a:buNone/>
             </a:pPr>
-            <a:endParaRPr lang="en-GB" b="1">
+            <a:endParaRPr lang="en-GB" b="1" dirty="0">
               <a:solidFill>
                 <a:schemeClr val="bg1"/>
               </a:solidFill>
@@ -26642,7 +26295,7 @@
               </a:lnSpc>
               <a:buNone/>
             </a:pPr>
-            <a:endParaRPr lang="en-US" b="1">
+            <a:endParaRPr lang="en-US" b="1" dirty="0">
               <a:solidFill>
                 <a:schemeClr val="bg1"/>
               </a:solidFill>
@@ -26676,15 +26329,7 @@
             </a:r>
             <a:r>
               <a:rPr lang="en-US" sz="3150" dirty="0"/>
-              <a:t> </a:t>
-            </a:r>
-            <a:r>
-              <a:rPr lang="en-US" sz="3150" dirty="0" err="1"/>
-              <a:t>от</a:t>
-            </a:r>
-            <a:r>
-              <a:rPr lang="en-US" sz="3150" dirty="0"/>
-              <a:t> </a:t>
+              <a:t> от </a:t>
             </a:r>
             <a:r>
               <a:rPr lang="en-US" sz="3150" b="1" dirty="0">
@@ -26741,27 +26386,39 @@
             </a:r>
             <a:r>
               <a:rPr lang="en-US" sz="3150" dirty="0"/>
+              <a:t> от</a:t>
+            </a:r>
+            <a:r>
+              <a:rPr lang="en-US" sz="3150" dirty="0">
+                <a:solidFill>
+                  <a:srgbClr val="234465"/>
+                </a:solidFill>
+              </a:rPr>
+              <a:t> </a:t>
+            </a:r>
+            <a:r>
+              <a:rPr lang="en-US" sz="3150" b="1" dirty="0" err="1">
+                <a:solidFill>
+                  <a:schemeClr val="bg1"/>
+                </a:solidFill>
+              </a:rPr>
+              <a:t>един</a:t>
+            </a:r>
+            <a:r>
+              <a:rPr lang="en-US" sz="3150" b="1" dirty="0">
+                <a:solidFill>
+                  <a:schemeClr val="bg1"/>
+                </a:solidFill>
+              </a:rPr>
               <a:t> </a:t>
             </a:r>
             <a:r>
-              <a:rPr lang="en-US" sz="3150" dirty="0" err="1"/>
-              <a:t>от</a:t>
-            </a:r>
-            <a:r>
-              <a:rPr lang="en-US" sz="3150" dirty="0">
-                <a:solidFill>
-                  <a:srgbClr val="234465"/>
-                </a:solidFill>
-              </a:rPr>
-              <a:t>  </a:t>
-            </a:r>
-            <a:r>
               <a:rPr lang="en-US" sz="3150" b="1" dirty="0" err="1">
                 <a:solidFill>
                   <a:schemeClr val="bg1"/>
                 </a:solidFill>
               </a:rPr>
-              <a:t>един</a:t>
+              <a:t>и</a:t>
             </a:r>
             <a:r>
               <a:rPr lang="en-US" sz="3150" b="1" dirty="0">
@@ -26769,7 +26426,7 @@
                   <a:schemeClr val="bg1"/>
                 </a:solidFill>
               </a:rPr>
-              <a:t> и </a:t>
+              <a:t> </a:t>
             </a:r>
             <a:r>
               <a:rPr lang="en-US" sz="3150" b="1" dirty="0" err="1">
@@ -26915,7 +26572,15 @@
             </a:r>
             <a:r>
               <a:rPr lang="en-US" sz="3150" dirty="0"/>
-              <a:t>) и </a:t>
+              <a:t>) </a:t>
+            </a:r>
+            <a:r>
+              <a:rPr lang="en-US" sz="3150" dirty="0" err="1"/>
+              <a:t>и</a:t>
+            </a:r>
+            <a:r>
+              <a:rPr lang="en-US" sz="3150" dirty="0"/>
+              <a:t> </a:t>
             </a:r>
             <a:r>
               <a:rPr lang="en-US" sz="3150" dirty="0" err="1"/>
@@ -26953,7 +26618,7 @@
               <a:rPr lang="en-US" sz="3150" dirty="0" err="1"/>
               <a:t>променя</a:t>
             </a:r>
-            <a:endParaRPr lang="en-US" sz="3150" dirty="0" err="1">
+            <a:endParaRPr lang="en-US" sz="3150" dirty="0">
               <a:cs typeface="Calibri"/>
             </a:endParaRPr>
           </a:p>
@@ -27064,7 +26729,7 @@
           <a:p>
             <a:pPr algn="ctr"/>
             <a:r>
-              <a:rPr lang="en-US" sz="2400" b="1" err="1">
+              <a:rPr lang="en-US" sz="2400" b="1" dirty="0" err="1">
                 <a:solidFill>
                   <a:schemeClr val="bg2"/>
                 </a:solidFill>
@@ -27074,46 +26739,26 @@
               <a:t>Масив</a:t>
             </a:r>
             <a:r>
-              <a:rPr lang="en-US" sz="2400" b="1">
+              <a:rPr lang="en-US" sz="2400" b="1" dirty="0">
                 <a:solidFill>
                   <a:schemeClr val="bg2"/>
                 </a:solidFill>
                 <a:ea typeface="+mn-lt"/>
                 <a:cs typeface="+mn-lt"/>
               </a:rPr>
-              <a:t> </a:t>
-            </a:r>
-            <a:r>
-              <a:rPr lang="en-US" sz="2400" b="1" err="1">
+              <a:t> от 5 </a:t>
+            </a:r>
+            <a:r>
+              <a:rPr lang="en-US" sz="2400" b="1" dirty="0" err="1">
                 <a:solidFill>
                   <a:schemeClr val="bg2"/>
                 </a:solidFill>
                 <a:ea typeface="+mn-lt"/>
                 <a:cs typeface="+mn-lt"/>
               </a:rPr>
-              <a:t>от</a:t>
-            </a:r>
-            <a:r>
-              <a:rPr lang="en-US" sz="2400" b="1">
-                <a:solidFill>
-                  <a:schemeClr val="bg2"/>
-                </a:solidFill>
-                <a:ea typeface="+mn-lt"/>
-                <a:cs typeface="+mn-lt"/>
-              </a:rPr>
-              <a:t> 5 </a:t>
-            </a:r>
-            <a:r>
-              <a:rPr lang="en-US" sz="2400" b="1" err="1">
-                <a:solidFill>
-                  <a:schemeClr val="bg2"/>
-                </a:solidFill>
-                <a:ea typeface="+mn-lt"/>
-                <a:cs typeface="+mn-lt"/>
-              </a:rPr>
               <a:t>елемента</a:t>
             </a:r>
-            <a:endParaRPr lang="en-US" sz="2400" err="1">
+            <a:endParaRPr lang="en-US" sz="2400" dirty="0">
               <a:solidFill>
                 <a:schemeClr val="bg2"/>
               </a:solidFill>
@@ -27185,7 +26830,7 @@
           <a:p>
             <a:pPr algn="ctr"/>
             <a:r>
-              <a:rPr lang="en-US" sz="2400" b="1" err="1">
+              <a:rPr lang="en-US" sz="2400" b="1" dirty="0" err="1">
                 <a:solidFill>
                   <a:schemeClr val="bg2"/>
                 </a:solidFill>
@@ -27194,41 +26839,29 @@
               <a:t>Индекс</a:t>
             </a:r>
             <a:r>
-              <a:rPr lang="en-US" sz="2400" b="1">
+              <a:rPr lang="en-US" sz="2400" b="1" dirty="0">
                 <a:solidFill>
                   <a:schemeClr val="bg2"/>
                 </a:solidFill>
                 <a:cs typeface="Calibri"/>
               </a:rPr>
-              <a:t> </a:t>
-            </a:r>
-            <a:r>
-              <a:rPr lang="en-US" sz="2400" b="1" err="1">
+              <a:t> на </a:t>
+            </a:r>
+            <a:r>
+              <a:rPr lang="en-US" sz="2400" b="1" dirty="0" err="1">
                 <a:solidFill>
                   <a:schemeClr val="bg2"/>
                 </a:solidFill>
                 <a:cs typeface="Calibri"/>
               </a:rPr>
-              <a:t>на</a:t>
-            </a:r>
-            <a:r>
-              <a:rPr lang="en-US" sz="2400" b="1">
-                <a:solidFill>
-                  <a:schemeClr val="bg2"/>
-                </a:solidFill>
-                <a:cs typeface="Calibri"/>
-              </a:rPr>
-              <a:t> </a:t>
-            </a:r>
-            <a:r>
-              <a:rPr lang="en-US" sz="2400" b="1" err="1">
-                <a:solidFill>
-                  <a:schemeClr val="bg2"/>
-                </a:solidFill>
-                <a:cs typeface="Calibri"/>
-              </a:rPr>
               <a:t>елемента</a:t>
             </a:r>
+            <a:endParaRPr lang="en-US" sz="2400" b="1" dirty="0">
+              <a:solidFill>
+                <a:schemeClr val="bg2"/>
+              </a:solidFill>
+              <a:cs typeface="Calibri"/>
+            </a:endParaRPr>
           </a:p>
         </p:txBody>
       </p:sp>
@@ -27294,7 +26927,7 @@
           <a:p>
             <a:pPr algn="ctr"/>
             <a:r>
-              <a:rPr lang="en-US" sz="2400" b="1" err="1">
+              <a:rPr lang="en-US" sz="2400" b="1" dirty="0" err="1">
                 <a:solidFill>
                   <a:schemeClr val="bg2"/>
                 </a:solidFill>
@@ -27302,38 +26935,22 @@
               <a:t>Елемент</a:t>
             </a:r>
             <a:r>
-              <a:rPr lang="en-US" sz="2400" b="1">
+              <a:rPr lang="en-US" sz="2400" b="1" dirty="0">
                 <a:solidFill>
                   <a:schemeClr val="bg2"/>
                 </a:solidFill>
               </a:rPr>
-              <a:t> </a:t>
-            </a:r>
-            <a:r>
-              <a:rPr lang="en-US" sz="2400" b="1" err="1">
+              <a:t> от </a:t>
+            </a:r>
+            <a:r>
+              <a:rPr lang="en-US" sz="2400" b="1" dirty="0" err="1">
                 <a:solidFill>
                   <a:schemeClr val="bg2"/>
                 </a:solidFill>
               </a:rPr>
-              <a:t>от</a:t>
-            </a:r>
-            <a:r>
-              <a:rPr lang="en-US" sz="2400" b="1">
-                <a:solidFill>
-                  <a:schemeClr val="bg2"/>
-                </a:solidFill>
-              </a:rPr>
-              <a:t> </a:t>
-            </a:r>
-            <a:r>
-              <a:rPr lang="en-US" sz="2400" b="1" err="1">
-                <a:solidFill>
-                  <a:schemeClr val="bg2"/>
-                </a:solidFill>
-              </a:rPr>
               <a:t>масива</a:t>
             </a:r>
-            <a:endParaRPr lang="bg-BG" err="1">
+            <a:endParaRPr lang="bg-BG" dirty="0">
               <a:solidFill>
                 <a:schemeClr val="bg2"/>
               </a:solidFill>
@@ -28604,31 +28221,31 @@
               <a:rPr lang="en-US" sz="3150" dirty="0">
                 <a:cs typeface="Calibri"/>
               </a:rPr>
-              <a:t> </a:t>
+              <a:t> на </a:t>
             </a:r>
             <a:r>
               <a:rPr lang="en-US" sz="3150" dirty="0" err="1">
                 <a:cs typeface="Calibri"/>
               </a:rPr>
-              <a:t>на</a:t>
+              <a:t>масива</a:t>
             </a:r>
             <a:r>
               <a:rPr lang="en-US" sz="3150" dirty="0">
                 <a:cs typeface="Calibri"/>
               </a:rPr>
-              <a:t> </a:t>
+              <a:t> </a:t>
             </a:r>
             <a:r>
               <a:rPr lang="en-US" sz="3150" dirty="0" err="1">
                 <a:cs typeface="Calibri"/>
               </a:rPr>
-              <a:t>масива</a:t>
+              <a:t>и</a:t>
             </a:r>
             <a:r>
               <a:rPr lang="en-US" sz="3150" dirty="0">
                 <a:cs typeface="Calibri"/>
               </a:rPr>
-              <a:t> и </a:t>
+              <a:t> </a:t>
             </a:r>
             <a:r>
               <a:rPr lang="en-US" sz="3150" dirty="0" err="1">
@@ -28640,13 +28257,13 @@
               <a:rPr lang="en-US" sz="3150" dirty="0">
                 <a:cs typeface="Calibri"/>
               </a:rPr>
-              <a:t> </a:t>
+              <a:t> на </a:t>
             </a:r>
             <a:r>
               <a:rPr lang="en-US" sz="3150" dirty="0" err="1">
                 <a:cs typeface="Calibri"/>
               </a:rPr>
-              <a:t>на</a:t>
+              <a:t>елементите</a:t>
             </a:r>
             <a:r>
               <a:rPr lang="en-US" sz="3150" dirty="0">
@@ -28658,13 +28275,13 @@
               <a:rPr lang="en-US" sz="3150" dirty="0" err="1">
                 <a:cs typeface="Calibri"/>
               </a:rPr>
-              <a:t>елементите</a:t>
+              <a:t>с</a:t>
             </a:r>
             <a:r>
               <a:rPr lang="en-US" sz="3150" dirty="0">
                 <a:cs typeface="Calibri"/>
               </a:rPr>
-              <a:t> с </a:t>
+              <a:t> </a:t>
             </a:r>
             <a:r>
               <a:rPr lang="en-US" sz="3150" dirty="0" err="1">
@@ -28708,7 +28325,7 @@
               </a:rPr>
               <a:t>подразбиране</a:t>
             </a:r>
-            <a:endParaRPr lang="en-US" sz="3150" dirty="0" err="1"/>
+            <a:endParaRPr lang="en-US" sz="3150" dirty="0"/>
           </a:p>
           <a:p>
             <a:pPr marL="360045" indent="-360045">
@@ -28726,13 +28343,7 @@
               <a:rPr lang="en-US" sz="3350" dirty="0">
                 <a:cs typeface="Calibri"/>
               </a:rPr>
-              <a:t> </a:t>
-            </a:r>
-            <a:r>
-              <a:rPr lang="en-US" sz="3350" dirty="0" err="1">
-                <a:cs typeface="Calibri"/>
-              </a:rPr>
-              <a:t>на</a:t>
+              <a:t> на</a:t>
             </a:r>
             <a:r>
               <a:rPr lang="en-US" sz="3350" dirty="0"/>
@@ -28748,15 +28359,7 @@
             </a:r>
             <a:r>
               <a:rPr lang="en-US" sz="3350" dirty="0"/>
-              <a:t> </a:t>
-            </a:r>
-            <a:r>
-              <a:rPr lang="en-US" sz="3350" dirty="0" err="1"/>
-              <a:t>от</a:t>
-            </a:r>
-            <a:r>
-              <a:rPr lang="en-US" sz="3350" dirty="0"/>
-              <a:t> 10 </a:t>
+              <a:t> от 10 </a:t>
             </a:r>
             <a:r>
               <a:rPr lang="en-US" sz="3350" b="1" dirty="0" err="1">
@@ -28780,7 +28383,7 @@
                 <a:spcPct val="100000"/>
               </a:lnSpc>
             </a:pPr>
-            <a:endParaRPr lang="en-US">
+            <a:endParaRPr lang="en-US" dirty="0">
               <a:cs typeface="Calibri"/>
             </a:endParaRPr>
           </a:p>
@@ -28844,15 +28447,7 @@
             </a:r>
             <a:r>
               <a:rPr lang="en-US" sz="3350" dirty="0"/>
-              <a:t> </a:t>
-            </a:r>
-            <a:r>
-              <a:rPr lang="en-US" sz="3350" dirty="0" err="1"/>
-              <a:t>от</a:t>
-            </a:r>
-            <a:r>
-              <a:rPr lang="en-US" sz="3350" dirty="0"/>
-              <a:t> </a:t>
+              <a:t> от </a:t>
             </a:r>
             <a:r>
               <a:rPr lang="en-US" sz="3350" b="1" dirty="0" err="1">
@@ -28872,19 +28467,21 @@
           </a:p>
           <a:p>
             <a:pPr marL="360045" indent="-360045"/>
-            <a:endParaRPr lang="en-US">
+            <a:endParaRPr lang="en-US" dirty="0">
               <a:cs typeface="Calibri"/>
             </a:endParaRPr>
           </a:p>
           <a:p>
-            <a:pPr lvl="1" indent="-360045"/>
-            <a:endParaRPr lang="en-US">
+            <a:pPr marL="443230" lvl="1" indent="0">
+              <a:buNone/>
+            </a:pPr>
+            <a:endParaRPr lang="en-US" dirty="0">
               <a:cs typeface="Calibri"/>
             </a:endParaRPr>
           </a:p>
           <a:p>
             <a:pPr lvl="1" indent="-360045"/>
-            <a:endParaRPr lang="bg-BG">
+            <a:endParaRPr lang="bg-BG" dirty="0">
               <a:cs typeface="Calibri"/>
             </a:endParaRPr>
           </a:p>
@@ -28912,26 +28509,18 @@
           <a:lstStyle/>
           <a:p>
             <a:r>
-              <a:rPr lang="en-US" sz="3950" err="1"/>
+              <a:rPr lang="en-US" sz="3950" dirty="0" err="1"/>
               <a:t>Създаване</a:t>
             </a:r>
             <a:r>
-              <a:rPr lang="en-US" sz="3950"/>
-              <a:t> </a:t>
-            </a:r>
-            <a:r>
-              <a:rPr lang="en-US" sz="3950" err="1"/>
-              <a:t>на</a:t>
-            </a:r>
-            <a:r>
-              <a:rPr lang="en-US" sz="3950"/>
-              <a:t> </a:t>
-            </a:r>
-            <a:r>
-              <a:rPr lang="en-US" sz="3950" err="1"/>
+              <a:rPr lang="en-US" sz="3950" dirty="0"/>
+              <a:t> на </a:t>
+            </a:r>
+            <a:r>
+              <a:rPr lang="en-US" sz="3950" dirty="0" err="1"/>
               <a:t>масив</a:t>
             </a:r>
-            <a:endParaRPr lang="bg-BG" err="1"/>
+            <a:endParaRPr lang="bg-BG" dirty="0"/>
           </a:p>
         </p:txBody>
       </p:sp>
@@ -29145,8 +28734,8 @@
           </a:xfrm>
           <a:prstGeom prst="wedgeRoundRectCallout">
             <a:avLst>
-              <a:gd name="adj1" fmla="val -75991"/>
-              <a:gd name="adj2" fmla="val 38934"/>
+              <a:gd name="adj1" fmla="val -96282"/>
+              <a:gd name="adj2" fmla="val 57511"/>
               <a:gd name="adj3" fmla="val 16667"/>
             </a:avLst>
           </a:prstGeom>
@@ -29449,8 +29038,8 @@
           </a:xfrm>
           <a:prstGeom prst="wedgeRoundRectCallout">
             <a:avLst>
-              <a:gd name="adj1" fmla="val -75201"/>
-              <a:gd name="adj2" fmla="val 43630"/>
+              <a:gd name="adj1" fmla="val -73130"/>
+              <a:gd name="adj2" fmla="val 42786"/>
               <a:gd name="adj3" fmla="val 16667"/>
             </a:avLst>
           </a:prstGeom>
@@ -30159,12 +29748,28 @@
               </a:buClr>
             </a:pPr>
             <a:r>
+              <a:rPr lang="bg-BG" sz="3600" b="1" dirty="0">
+                <a:solidFill>
+                  <a:schemeClr val="bg1"/>
+                </a:solidFill>
+              </a:rPr>
+              <a:t>Задаване</a:t>
+            </a:r>
+            <a:r>
+              <a:rPr lang="en-US" sz="3600" b="1" dirty="0">
+                <a:solidFill>
+                  <a:schemeClr val="bg1"/>
+                </a:solidFill>
+              </a:rPr>
+              <a:t> на </a:t>
+            </a:r>
+            <a:r>
               <a:rPr lang="en-US" sz="3600" b="1" dirty="0" err="1">
                 <a:solidFill>
                   <a:schemeClr val="bg1"/>
                 </a:solidFill>
               </a:rPr>
-              <a:t>Слагане</a:t>
+              <a:t>стойност</a:t>
             </a:r>
             <a:r>
               <a:rPr lang="en-US" sz="3600" b="1" dirty="0">
@@ -30172,47 +29777,11 @@
                   <a:schemeClr val="bg1"/>
                 </a:solidFill>
               </a:rPr>
-              <a:t> </a:t>
-            </a:r>
-            <a:r>
-              <a:rPr lang="en-US" sz="3600" b="1" dirty="0" err="1">
-                <a:solidFill>
-                  <a:schemeClr val="bg1"/>
-                </a:solidFill>
-              </a:rPr>
-              <a:t>на</a:t>
-            </a:r>
-            <a:r>
-              <a:rPr lang="en-US" sz="3600" b="1" dirty="0">
-                <a:solidFill>
-                  <a:schemeClr val="bg1"/>
-                </a:solidFill>
-              </a:rPr>
-              <a:t> </a:t>
-            </a:r>
-            <a:r>
-              <a:rPr lang="en-US" sz="3600" b="1" dirty="0" err="1">
-                <a:solidFill>
-                  <a:schemeClr val="bg1"/>
-                </a:solidFill>
-              </a:rPr>
-              <a:t>стойност</a:t>
-            </a:r>
-            <a:r>
-              <a:rPr lang="en-US" sz="3600" b="1" dirty="0">
-                <a:solidFill>
-                  <a:schemeClr val="bg1"/>
-                </a:solidFill>
-              </a:rPr>
-              <a:t>  </a:t>
-            </a:r>
-            <a:r>
-              <a:rPr lang="en-US" sz="3600" dirty="0" err="1"/>
-              <a:t>на</a:t>
+              <a:t> </a:t>
             </a:r>
             <a:r>
               <a:rPr lang="en-US" sz="3600" dirty="0"/>
-              <a:t> </a:t>
+              <a:t>на </a:t>
             </a:r>
             <a:r>
               <a:rPr lang="en-US" sz="3600" dirty="0" err="1"/>
@@ -30220,15 +29789,7 @@
             </a:r>
             <a:r>
               <a:rPr lang="en-US" sz="3600" dirty="0"/>
-              <a:t> </a:t>
-            </a:r>
-            <a:r>
-              <a:rPr lang="en-US" sz="3600" dirty="0" err="1"/>
-              <a:t>от</a:t>
-            </a:r>
-            <a:r>
-              <a:rPr lang="en-US" sz="3600" dirty="0"/>
-              <a:t> </a:t>
+              <a:t> от </a:t>
             </a:r>
             <a:r>
               <a:rPr lang="en-US" sz="3600" dirty="0" err="1"/>
@@ -30287,7 +29848,7 @@
                 <a:srgbClr val="234465"/>
               </a:buClr>
             </a:pPr>
-            <a:endParaRPr lang="en-US"/>
+            <a:endParaRPr lang="en-US" dirty="0"/>
           </a:p>
           <a:p>
             <a:pPr marL="360045" indent="-360045">
@@ -30298,7 +29859,7 @@
                 <a:spcPct val="0"/>
               </a:spcBef>
             </a:pPr>
-            <a:endParaRPr lang="en-US">
+            <a:endParaRPr lang="en-US" dirty="0">
               <a:ea typeface="Calibri"/>
               <a:cs typeface="Calibri"/>
             </a:endParaRPr>
@@ -30341,15 +29902,7 @@
             </a:r>
             <a:r>
               <a:rPr lang="en-US" sz="3600" dirty="0"/>
-              <a:t> </a:t>
-            </a:r>
-            <a:r>
-              <a:rPr lang="en-US" sz="3600" dirty="0" err="1"/>
-              <a:t>на</a:t>
-            </a:r>
-            <a:r>
-              <a:rPr lang="en-US" sz="3600" dirty="0"/>
-              <a:t> </a:t>
+              <a:t> на </a:t>
             </a:r>
             <a:r>
               <a:rPr lang="en-US" sz="3600" dirty="0" err="1"/>
@@ -30427,7 +29980,7 @@
                 <a:srgbClr val="234465"/>
               </a:buClr>
             </a:pPr>
-            <a:endParaRPr lang="en-US">
+            <a:endParaRPr lang="en-US" dirty="0">
               <a:ea typeface="Calibri"/>
               <a:cs typeface="Calibri"/>
             </a:endParaRPr>
@@ -30461,18 +30014,22 @@
           <a:lstStyle/>
           <a:p>
             <a:r>
-              <a:rPr lang="en-US" sz="3950" err="1"/>
+              <a:rPr lang="en-US" sz="3950" dirty="0" err="1"/>
               <a:t>Работа</a:t>
             </a:r>
             <a:r>
-              <a:rPr lang="en-US" sz="3950"/>
-              <a:t> с </a:t>
-            </a:r>
-            <a:r>
-              <a:rPr lang="en-US" sz="3950" err="1"/>
-              <a:t>масиви</a:t>
-            </a:r>
-            <a:endParaRPr lang="bg-BG" err="1"/>
+              <a:rPr lang="en-US" sz="3950" dirty="0"/>
+              <a:t> </a:t>
+            </a:r>
+            <a:r>
+              <a:rPr lang="en-US" sz="3950" dirty="0" err="1"/>
+              <a:t>с</a:t>
+            </a:r>
+            <a:r>
+              <a:rPr lang="en-US" sz="3950" dirty="0"/>
+              <a:t> масиви</a:t>
+            </a:r>
+            <a:endParaRPr lang="bg-BG" dirty="0"/>
           </a:p>
         </p:txBody>
       </p:sp>
@@ -31662,63 +31219,63 @@
               <a:buFont typeface="Wingdings"/>
             </a:pPr>
             <a:r>
-              <a:rPr lang="en-US" sz="3350" err="1"/>
+              <a:rPr lang="en-US" sz="3350" dirty="0" err="1"/>
               <a:t>Дните</a:t>
             </a:r>
             <a:r>
-              <a:rPr lang="en-US" sz="3350"/>
+              <a:rPr lang="en-US" sz="3350" dirty="0"/>
+              <a:t> от </a:t>
+            </a:r>
+            <a:r>
+              <a:rPr lang="en-US" sz="3350" dirty="0" err="1"/>
+              <a:t>седмицата</a:t>
+            </a:r>
+            <a:r>
+              <a:rPr lang="en-US" sz="3350" dirty="0"/>
               <a:t> </a:t>
             </a:r>
             <a:r>
-              <a:rPr lang="en-US" sz="3350" err="1"/>
-              <a:t>от</a:t>
-            </a:r>
-            <a:r>
-              <a:rPr lang="en-US" sz="3350"/>
+              <a:rPr lang="en-US" sz="3350" dirty="0" err="1"/>
+              <a:t>могат</a:t>
+            </a:r>
+            <a:r>
+              <a:rPr lang="en-US" sz="3350" dirty="0"/>
               <a:t> </a:t>
             </a:r>
             <a:r>
-              <a:rPr lang="en-US" sz="3350" err="1"/>
-              <a:t>седмицата</a:t>
-            </a:r>
-            <a:r>
-              <a:rPr lang="en-US" sz="3350"/>
+              <a:rPr lang="en-US" sz="3350" dirty="0" err="1"/>
+              <a:t>да</a:t>
+            </a:r>
+            <a:r>
+              <a:rPr lang="en-US" sz="3350" dirty="0"/>
+              <a:t> </a:t>
+            </a:r>
+            <a:r>
+              <a:rPr lang="en-US" sz="3350" dirty="0" err="1"/>
+              <a:t>бъдат</a:t>
+            </a:r>
+            <a:r>
+              <a:rPr lang="en-US" sz="3350" dirty="0"/>
               <a:t> </a:t>
             </a:r>
             <a:r>
-              <a:rPr lang="en-US" sz="3350" err="1"/>
-              <a:t>могат</a:t>
-            </a:r>
-            <a:r>
-              <a:rPr lang="en-US" sz="3350"/>
+              <a:rPr lang="en-US" sz="3350" dirty="0" err="1"/>
+              <a:t>съхранявани</a:t>
+            </a:r>
+            <a:r>
+              <a:rPr lang="en-US" sz="3350" dirty="0"/>
               <a:t> </a:t>
             </a:r>
             <a:r>
-              <a:rPr lang="en-US" sz="3350" err="1"/>
-              <a:t>да</a:t>
-            </a:r>
-            <a:r>
-              <a:rPr lang="en-US" sz="3350"/>
+              <a:rPr lang="en-US" sz="3350" dirty="0" err="1"/>
+              <a:t>в</a:t>
+            </a:r>
+            <a:r>
+              <a:rPr lang="en-US" sz="3350" dirty="0"/>
               <a:t> </a:t>
             </a:r>
             <a:r>
-              <a:rPr lang="en-US" sz="3350" err="1"/>
-              <a:t>бъдат</a:t>
-            </a:r>
-            <a:r>
-              <a:rPr lang="en-US" sz="3350"/>
-              <a:t> </a:t>
-            </a:r>
-            <a:r>
-              <a:rPr lang="en-US" sz="3350" err="1"/>
-              <a:t>съхранявани</a:t>
-            </a:r>
-            <a:r>
-              <a:rPr lang="en-US" sz="3350"/>
-              <a:t> в </a:t>
-            </a:r>
-            <a:r>
-              <a:rPr lang="en-US" sz="3350" b="1" err="1">
+              <a:rPr lang="en-US" sz="3350" b="1" dirty="0" err="1">
                 <a:solidFill>
                   <a:schemeClr val="bg1"/>
                 </a:solidFill>
@@ -31728,49 +31285,41 @@
               <a:t>масив</a:t>
             </a:r>
             <a:r>
-              <a:rPr lang="en-US" sz="3350" b="1">
+              <a:rPr lang="en-US" sz="3350" b="1" dirty="0">
                 <a:solidFill>
                   <a:schemeClr val="bg1"/>
                 </a:solidFill>
               </a:rPr>
+              <a:t> от</a:t>
+            </a:r>
+            <a:r>
+              <a:rPr lang="en-US" sz="3350" dirty="0"/>
+              <a:t> </a:t>
+            </a:r>
+            <a:r>
+              <a:rPr lang="en-US" sz="3350" b="1" dirty="0" err="1">
+                <a:solidFill>
+                  <a:schemeClr val="bg1"/>
+                </a:solidFill>
+              </a:rPr>
+              <a:t>низове</a:t>
+            </a:r>
+            <a:r>
+              <a:rPr lang="en-US" sz="3350" dirty="0"/>
+              <a:t>:</a:t>
+            </a:r>
+            <a:br>
+              <a:rPr lang="en-US" sz="3350" dirty="0"/>
+            </a:br>
+            <a:r>
+              <a:rPr lang="en-US" sz="3350" dirty="0">
+                <a:solidFill>
+                  <a:srgbClr val="234465"/>
+                </a:solidFill>
+              </a:rPr>
               <a:t> </a:t>
             </a:r>
-            <a:r>
-              <a:rPr lang="en-US" sz="3350" b="1" err="1">
-                <a:solidFill>
-                  <a:schemeClr val="bg1"/>
-                </a:solidFill>
-              </a:rPr>
-              <a:t>от</a:t>
-            </a:r>
-            <a:r>
-              <a:rPr lang="en-US" sz="3350"/>
-              <a:t> </a:t>
-            </a:r>
-            <a:r>
-              <a:rPr lang="en-US" sz="3350" b="1" err="1">
-                <a:solidFill>
-                  <a:schemeClr val="bg1"/>
-                </a:solidFill>
-              </a:rPr>
-              <a:t>низове</a:t>
-            </a:r>
-            <a:r>
-              <a:rPr lang="en-US" sz="3350"/>
-              <a:t>:</a:t>
-            </a:r>
-            <a:br>
-              <a:rPr lang="en-US" sz="3350"/>
-            </a:br>
-            <a:r>
-              <a:rPr lang="en-US" sz="3350">
-                <a:solidFill>
-                  <a:srgbClr val="234465"/>
-                </a:solidFill>
-              </a:rPr>
-              <a:t> </a:t>
-            </a:r>
-            <a:endParaRPr lang="en-US" sz="3350">
+            <a:endParaRPr lang="en-US" sz="3350" dirty="0">
               <a:ea typeface="Calibri"/>
               <a:cs typeface="Calibri"/>
             </a:endParaRPr>
@@ -31804,49 +31353,35 @@
           <a:lstStyle/>
           <a:p>
             <a:r>
-              <a:rPr lang="en-US" sz="3950" err="1">
+              <a:rPr lang="en-US" sz="3950" dirty="0" err="1">
                 <a:ea typeface="+mj-lt"/>
                 <a:cs typeface="+mj-lt"/>
               </a:rPr>
               <a:t>Ден</a:t>
             </a:r>
             <a:r>
-              <a:rPr lang="en-US" sz="3950">
+              <a:rPr lang="en-US" sz="3950" dirty="0">
                 <a:ea typeface="+mj-lt"/>
                 <a:cs typeface="+mj-lt"/>
               </a:rPr>
-              <a:t> </a:t>
-            </a:r>
-            <a:r>
-              <a:rPr lang="en-US" sz="3950" err="1">
+              <a:t> от </a:t>
+            </a:r>
+            <a:r>
+              <a:rPr lang="en-US" sz="3950" dirty="0" err="1">
                 <a:ea typeface="+mj-lt"/>
                 <a:cs typeface="+mj-lt"/>
               </a:rPr>
-              <a:t>от</a:t>
-            </a:r>
-            <a:r>
-              <a:rPr lang="en-US" sz="3950">
-                <a:ea typeface="+mj-lt"/>
-                <a:cs typeface="+mj-lt"/>
-              </a:rPr>
-              <a:t> </a:t>
-            </a:r>
-            <a:r>
-              <a:rPr lang="en-US" sz="3950" err="1">
-                <a:ea typeface="+mj-lt"/>
-                <a:cs typeface="+mj-lt"/>
-              </a:rPr>
               <a:t>седмицата</a:t>
             </a:r>
             <a:r>
-              <a:rPr lang="en-US" sz="3950"/>
+              <a:rPr lang="en-US" sz="3950" dirty="0"/>
               <a:t> – </a:t>
             </a:r>
             <a:r>
-              <a:rPr lang="en-US" sz="3950" err="1"/>
+              <a:rPr lang="en-US" sz="3950" dirty="0" err="1"/>
               <a:t>пример</a:t>
             </a:r>
-            <a:endParaRPr lang="en-US" sz="3950">
+            <a:endParaRPr lang="en-US" sz="3950" dirty="0">
               <a:cs typeface="Calibri"/>
             </a:endParaRPr>
           </a:p>
@@ -32167,7 +31702,7 @@
         </p:nvSpPr>
         <p:spPr>
           <a:xfrm>
-            <a:off x="5544078" y="3935245"/>
+            <a:off x="5484059" y="4278203"/>
             <a:ext cx="622342" cy="381000"/>
           </a:xfrm>
           <a:prstGeom prst="rightArrow">
@@ -32278,7 +31813,7 @@
                         <a:tabLst/>
                       </a:pPr>
                       <a:r>
-                        <a:rPr kumimoji="1" lang="en-US" sz="2800" b="1" i="0" u="none" strike="noStrike" kern="1200" cap="none" normalizeH="0" baseline="0">
+                        <a:rPr kumimoji="1" lang="en-US" sz="2800" b="1" i="0" u="none" strike="noStrike" kern="1200" cap="none" normalizeH="0" baseline="0" dirty="0">
                           <a:ln>
                             <a:noFill/>
                           </a:ln>
@@ -33915,7 +33450,7 @@
                         <a:defRPr/>
                       </a:pPr>
                       <a:r>
-                        <a:rPr lang="en-US" sz="2800" b="0" kern="1200" noProof="0">
+                        <a:rPr lang="en-US" sz="2800" b="0" kern="1200" noProof="0" dirty="0">
                           <a:solidFill>
                             <a:schemeClr val="tx1"/>
                           </a:solidFill>
@@ -34288,15 +33823,15 @@
           <a:p>
             <a:pPr marL="360045" indent="-360045" eaLnBrk="0"/>
             <a:r>
-              <a:rPr lang="en-US" sz="3350" err="1"/>
+              <a:rPr lang="en-US" sz="3350" dirty="0" err="1"/>
               <a:t>Въведете</a:t>
             </a:r>
             <a:r>
-              <a:rPr lang="en-US" sz="3350"/>
+              <a:rPr lang="en-US" sz="3350" dirty="0"/>
               <a:t> </a:t>
             </a:r>
             <a:r>
-              <a:rPr lang="en-US" sz="3350" b="1" err="1">
+              <a:rPr lang="en-US" sz="3350" b="1" dirty="0" err="1">
                 <a:solidFill>
                   <a:schemeClr val="bg1"/>
                 </a:solidFill>
@@ -34304,146 +33839,122 @@
               <a:t>ден</a:t>
             </a:r>
             <a:r>
-              <a:rPr lang="en-US" sz="3350" b="1">
+              <a:rPr lang="en-US" sz="3350" b="1" dirty="0">
                 <a:solidFill>
                   <a:schemeClr val="bg1"/>
                 </a:solidFill>
               </a:rPr>
+              <a:t> от </a:t>
+            </a:r>
+            <a:r>
+              <a:rPr lang="en-US" sz="3350" b="1" dirty="0" err="1">
+                <a:solidFill>
+                  <a:schemeClr val="bg1"/>
+                </a:solidFill>
+              </a:rPr>
+              <a:t>седмицата</a:t>
+            </a:r>
+            <a:r>
+              <a:rPr lang="en-US" sz="3350" b="1" dirty="0">
+                <a:solidFill>
+                  <a:schemeClr val="bg1"/>
+                </a:solidFill>
+              </a:rPr>
               <a:t> </a:t>
             </a:r>
             <a:r>
-              <a:rPr lang="en-US" sz="3350" b="1" err="1">
+              <a:rPr lang="en-US" sz="3350" dirty="0"/>
+              <a:t>[1…7] </a:t>
+            </a:r>
+            <a:r>
+              <a:rPr lang="en-US" sz="3350" dirty="0" err="1"/>
+              <a:t>и</a:t>
+            </a:r>
+            <a:r>
+              <a:rPr lang="en-US" sz="3350" dirty="0"/>
+              <a:t> </a:t>
+            </a:r>
+            <a:r>
+              <a:rPr lang="en-US" sz="3350" dirty="0" err="1"/>
+              <a:t>отп</a:t>
+            </a:r>
+            <a:r>
+              <a:rPr lang="bg-BG" sz="3350" dirty="0"/>
+              <a:t>е</a:t>
+            </a:r>
+            <a:r>
+              <a:rPr lang="en-US" sz="3350" dirty="0" err="1"/>
+              <a:t>чатайте</a:t>
+            </a:r>
+            <a:r>
+              <a:rPr lang="en-US" sz="3350" dirty="0"/>
+              <a:t> </a:t>
+            </a:r>
+            <a:r>
+              <a:rPr lang="en-US" sz="3350" b="1" dirty="0" err="1">
                 <a:solidFill>
                   <a:schemeClr val="bg1"/>
                 </a:solidFill>
               </a:rPr>
-              <a:t>от</a:t>
-            </a:r>
-            <a:r>
-              <a:rPr lang="en-US" sz="3350" b="1">
+              <a:t>името</a:t>
+            </a:r>
+            <a:r>
+              <a:rPr lang="en-US" sz="3350" b="1" dirty="0">
                 <a:solidFill>
                   <a:schemeClr val="bg1"/>
                 </a:solidFill>
               </a:rPr>
-              <a:t> </a:t>
-            </a:r>
-            <a:r>
-              <a:rPr lang="en-US" sz="3350" b="1" err="1">
+              <a:t> на </a:t>
+            </a:r>
+            <a:r>
+              <a:rPr lang="en-US" sz="3350" b="1" dirty="0" err="1">
                 <a:solidFill>
                   <a:schemeClr val="bg1"/>
                 </a:solidFill>
               </a:rPr>
-              <a:t>седмицата</a:t>
-            </a:r>
-            <a:r>
-              <a:rPr lang="en-US" sz="3350" b="1">
+              <a:t>деня</a:t>
+            </a:r>
+            <a:r>
+              <a:rPr lang="en-US" sz="3350" b="1" dirty="0">
                 <a:solidFill>
                   <a:schemeClr val="bg1"/>
                 </a:solidFill>
               </a:rPr>
-              <a:t> </a:t>
-            </a:r>
-            <a:r>
-              <a:rPr lang="en-US" sz="3350"/>
-              <a:t>[1…7] и </a:t>
-            </a:r>
-            <a:r>
-              <a:rPr lang="en-US" sz="3350" err="1"/>
-              <a:t>отпичатайте</a:t>
-            </a:r>
-            <a:r>
-              <a:rPr lang="en-US" sz="3350"/>
               <a:t> </a:t>
             </a:r>
             <a:r>
-              <a:rPr lang="en-US" sz="3350" b="1" err="1">
+              <a:rPr lang="en-US" sz="3350" dirty="0"/>
+              <a:t>(на </a:t>
+            </a:r>
+            <a:r>
+              <a:rPr lang="en-US" sz="3350" dirty="0" err="1"/>
+              <a:t>английски</a:t>
+            </a:r>
+            <a:r>
+              <a:rPr lang="en-US" sz="3350" dirty="0"/>
+              <a:t>) </a:t>
+            </a:r>
+            <a:r>
+              <a:rPr lang="en-US" sz="3350" dirty="0" err="1"/>
+              <a:t>или</a:t>
+            </a:r>
+            <a:r>
+              <a:rPr lang="en-US" sz="3350" dirty="0"/>
+              <a:t> "</a:t>
+            </a:r>
+            <a:r>
+              <a:rPr lang="en-US" sz="3350" b="1" dirty="0">
                 <a:solidFill>
                   <a:schemeClr val="bg1"/>
                 </a:solidFill>
               </a:rPr>
-              <a:t>името</a:t>
-            </a:r>
-            <a:r>
-              <a:rPr lang="en-US" sz="3350" b="1">
-                <a:solidFill>
-                  <a:schemeClr val="bg1"/>
-                </a:solidFill>
-              </a:rPr>
-              <a:t> </a:t>
-            </a:r>
-            <a:r>
-              <a:rPr lang="en-US" sz="3350" b="1" err="1">
-                <a:solidFill>
-                  <a:schemeClr val="bg1"/>
-                </a:solidFill>
-              </a:rPr>
-              <a:t>на</a:t>
-            </a:r>
-            <a:r>
-              <a:rPr lang="en-US" sz="3350" b="1">
-                <a:solidFill>
-                  <a:schemeClr val="bg1"/>
-                </a:solidFill>
-              </a:rPr>
-              <a:t> </a:t>
-            </a:r>
-            <a:r>
-              <a:rPr lang="en-US" sz="3350" b="1" err="1">
-                <a:solidFill>
-                  <a:schemeClr val="bg1"/>
-                </a:solidFill>
-              </a:rPr>
-              <a:t>деня</a:t>
-            </a:r>
-            <a:r>
-              <a:rPr lang="en-US" sz="3350" b="1">
-                <a:solidFill>
-                  <a:schemeClr val="bg1"/>
-                </a:solidFill>
-              </a:rPr>
-              <a:t> </a:t>
-            </a:r>
-            <a:r>
-              <a:rPr lang="en-US" sz="3350"/>
-              <a:t>(</a:t>
-            </a:r>
-            <a:r>
-              <a:rPr lang="en-US" sz="3350" err="1"/>
-              <a:t>на</a:t>
-            </a:r>
-            <a:r>
-              <a:rPr lang="en-US" sz="3350"/>
-              <a:t> </a:t>
-            </a:r>
-            <a:r>
-              <a:rPr lang="en-US" sz="3350" err="1"/>
-              <a:t>английски</a:t>
-            </a:r>
-            <a:r>
-              <a:rPr lang="en-US" sz="3350"/>
-              <a:t>) </a:t>
-            </a:r>
-            <a:r>
-              <a:rPr lang="en-US" sz="3350" err="1"/>
-              <a:t>или</a:t>
-            </a:r>
-            <a:r>
-              <a:rPr lang="en-US" sz="3350"/>
-              <a:t> "</a:t>
-            </a:r>
-            <a:r>
-              <a:rPr lang="en-US" sz="3350" b="1">
-                <a:solidFill>
-                  <a:schemeClr val="bg1"/>
-                </a:solidFill>
-              </a:rPr>
               <a:t>Invalid day!</a:t>
             </a:r>
             <a:r>
-              <a:rPr lang="en-US" sz="3350"/>
+              <a:rPr lang="en-US" sz="3350" dirty="0"/>
               <a:t>"</a:t>
             </a:r>
-            <a:endParaRPr lang="bg-BG" sz="3350"/>
+            <a:endParaRPr lang="bg-BG" sz="3350" dirty="0"/>
           </a:p>
         </p:txBody>
       </p:sp>
@@ -34463,33 +33974,26 @@
           <a:lstStyle/>
           <a:p>
             <a:r>
-              <a:rPr lang="en-US" sz="3950" err="1"/>
+              <a:rPr lang="en-US" sz="3950" dirty="0" err="1"/>
               <a:t>Задача</a:t>
             </a:r>
             <a:r>
-              <a:rPr lang="en-US" sz="3950"/>
+              <a:rPr lang="en-US" sz="3950" dirty="0"/>
               <a:t>: </a:t>
             </a:r>
             <a:r>
-              <a:rPr lang="en-US" sz="3950" err="1"/>
+              <a:rPr lang="en-US" sz="3950" dirty="0" err="1"/>
               <a:t>Ден</a:t>
             </a:r>
             <a:r>
-              <a:rPr lang="en-US" sz="3950"/>
-              <a:t> </a:t>
-            </a:r>
-            <a:r>
-              <a:rPr lang="en-US" sz="3950" err="1"/>
-              <a:t>от</a:t>
-            </a:r>
-            <a:r>
-              <a:rPr lang="en-US" sz="3950"/>
-              <a:t> </a:t>
-            </a:r>
-            <a:r>
-              <a:rPr lang="en-US" sz="3950" err="1"/>
+              <a:rPr lang="en-US" sz="3950" dirty="0"/>
+              <a:t> от </a:t>
+            </a:r>
+            <a:r>
+              <a:rPr lang="en-US" sz="3950" dirty="0" err="1"/>
               <a:t>седмицата</a:t>
             </a:r>
+            <a:endParaRPr lang="en-US" sz="3950" dirty="0"/>
           </a:p>
         </p:txBody>
       </p:sp>
@@ -34630,49 +34134,35 @@
           <a:lstStyle/>
           <a:p>
             <a:r>
-              <a:rPr lang="en-US" sz="3950" err="1"/>
+              <a:rPr lang="en-US" sz="3950" dirty="0" err="1"/>
               <a:t>Решение</a:t>
             </a:r>
             <a:r>
-              <a:rPr lang="en-US" sz="3950"/>
+              <a:rPr lang="en-US" sz="3950" dirty="0"/>
               <a:t>: </a:t>
             </a:r>
             <a:r>
-              <a:rPr lang="en-US" sz="3950" err="1">
+              <a:rPr lang="en-US" sz="3950" dirty="0" err="1">
                 <a:ea typeface="+mj-lt"/>
                 <a:cs typeface="+mj-lt"/>
               </a:rPr>
               <a:t>Ден</a:t>
             </a:r>
             <a:r>
-              <a:rPr lang="en-US" sz="3950">
+              <a:rPr lang="en-US" sz="3950" dirty="0">
                 <a:ea typeface="+mj-lt"/>
                 <a:cs typeface="+mj-lt"/>
               </a:rPr>
-              <a:t> </a:t>
-            </a:r>
-            <a:r>
-              <a:rPr lang="en-US" sz="3950" err="1">
+              <a:t> от </a:t>
+            </a:r>
+            <a:r>
+              <a:rPr lang="en-US" sz="3950" dirty="0" err="1">
                 <a:ea typeface="+mj-lt"/>
                 <a:cs typeface="+mj-lt"/>
               </a:rPr>
-              <a:t>от</a:t>
-            </a:r>
-            <a:r>
-              <a:rPr lang="en-US" sz="3950">
-                <a:ea typeface="+mj-lt"/>
-                <a:cs typeface="+mj-lt"/>
-              </a:rPr>
-              <a:t> </a:t>
-            </a:r>
-            <a:r>
-              <a:rPr lang="en-US" sz="3950" err="1">
-                <a:ea typeface="+mj-lt"/>
-                <a:cs typeface="+mj-lt"/>
-              </a:rPr>
               <a:t>седмицата</a:t>
             </a:r>
-            <a:endParaRPr lang="en-US" err="1"/>
+            <a:endParaRPr lang="en-US" dirty="0"/>
           </a:p>
         </p:txBody>
       </p:sp>
@@ -35041,44 +34531,58 @@
           <a:p>
             <a:pPr algn="ctr"/>
             <a:r>
-              <a:rPr lang="en-US" sz="2000" err="1">
+              <a:rPr lang="en-US" sz="2000" dirty="0" err="1">
                 <a:ea typeface="+mn-lt"/>
                 <a:cs typeface="+mn-lt"/>
               </a:rPr>
               <a:t>Тествайте</a:t>
             </a:r>
             <a:r>
-              <a:rPr lang="en-US" sz="2000">
+              <a:rPr lang="en-US" sz="2000" dirty="0">
                 <a:ea typeface="+mn-lt"/>
                 <a:cs typeface="+mn-lt"/>
               </a:rPr>
               <a:t> </a:t>
             </a:r>
             <a:r>
-              <a:rPr lang="en-US" sz="2000" err="1">
+              <a:rPr lang="en-US" sz="2000" dirty="0" err="1">
                 <a:ea typeface="+mn-lt"/>
                 <a:cs typeface="+mn-lt"/>
               </a:rPr>
               <a:t>решението</a:t>
             </a:r>
             <a:r>
-              <a:rPr lang="en-US" sz="2000">
+              <a:rPr lang="en-US" sz="2000" dirty="0">
                 <a:ea typeface="+mn-lt"/>
                 <a:cs typeface="+mn-lt"/>
               </a:rPr>
-              <a:t> в Judge</a:t>
-            </a:r>
-            <a:r>
-              <a:rPr lang="en-US" sz="2000"/>
+              <a:t> </a:t>
+            </a:r>
+            <a:r>
+              <a:rPr lang="en-US" sz="2000" dirty="0" err="1">
+                <a:ea typeface="+mn-lt"/>
+                <a:cs typeface="+mn-lt"/>
+              </a:rPr>
+              <a:t>в</a:t>
+            </a:r>
+            <a:r>
+              <a:rPr lang="en-US" sz="2000" dirty="0">
+                <a:ea typeface="+mn-lt"/>
+                <a:cs typeface="+mn-lt"/>
+              </a:rPr>
+              <a:t> Judge</a:t>
+            </a:r>
+            <a:r>
+              <a:rPr lang="en-US" sz="2000" dirty="0"/>
               <a:t>: </a:t>
             </a:r>
             <a:r>
-              <a:rPr lang="en-US" sz="2000">
+              <a:rPr lang="en-US" sz="2000" dirty="0">
                 <a:hlinkClick r:id="rId2"/>
               </a:rPr>
               <a:t>https://judge.softuni.org/Contests/Practice/Index/3171#0</a:t>
             </a:r>
-            <a:endParaRPr lang="en-US" sz="2000">
+            <a:endParaRPr lang="en-US" sz="2000" dirty="0">
               <a:cs typeface="Calibri"/>
             </a:endParaRPr>
           </a:p>
